--- a/groupMap.pptx
+++ b/groupMap.pptx
@@ -6,6 +6,10 @@
   </p:sldMasterIdLst>
   <p:sldIdLst>
     <p:sldId id="256" r:id="rId2"/>
+    <p:sldId id="257" r:id="rId3"/>
+    <p:sldId id="258" r:id="rId4"/>
+    <p:sldId id="259" r:id="rId5"/>
+    <p:sldId id="260" r:id="rId6"/>
   </p:sldIdLst>
   <p:sldSz cx="23039388" cy="13679488"/>
   <p:notesSz cx="6858000" cy="9144000"/>
@@ -243,7 +247,7 @@
           <a:p>
             <a:fld id="{20A3B094-A856-B943-B662-75B5C27B6250}" type="datetimeFigureOut">
               <a:rPr kumimoji="1" lang="zh-TW" altLang="en-US" smtClean="0"/>
-              <a:t>2022/12/18</a:t>
+              <a:t>2022/12/19</a:t>
             </a:fld>
             <a:endParaRPr kumimoji="1" lang="zh-TW" altLang="en-US"/>
           </a:p>
@@ -413,7 +417,7 @@
           <a:p>
             <a:fld id="{20A3B094-A856-B943-B662-75B5C27B6250}" type="datetimeFigureOut">
               <a:rPr kumimoji="1" lang="zh-TW" altLang="en-US" smtClean="0"/>
-              <a:t>2022/12/18</a:t>
+              <a:t>2022/12/19</a:t>
             </a:fld>
             <a:endParaRPr kumimoji="1" lang="zh-TW" altLang="en-US"/>
           </a:p>
@@ -593,7 +597,7 @@
           <a:p>
             <a:fld id="{20A3B094-A856-B943-B662-75B5C27B6250}" type="datetimeFigureOut">
               <a:rPr kumimoji="1" lang="zh-TW" altLang="en-US" smtClean="0"/>
-              <a:t>2022/12/18</a:t>
+              <a:t>2022/12/19</a:t>
             </a:fld>
             <a:endParaRPr kumimoji="1" lang="zh-TW" altLang="en-US"/>
           </a:p>
@@ -763,7 +767,7 @@
           <a:p>
             <a:fld id="{20A3B094-A856-B943-B662-75B5C27B6250}" type="datetimeFigureOut">
               <a:rPr kumimoji="1" lang="zh-TW" altLang="en-US" smtClean="0"/>
-              <a:t>2022/12/18</a:t>
+              <a:t>2022/12/19</a:t>
             </a:fld>
             <a:endParaRPr kumimoji="1" lang="zh-TW" altLang="en-US"/>
           </a:p>
@@ -1009,7 +1013,7 @@
           <a:p>
             <a:fld id="{20A3B094-A856-B943-B662-75B5C27B6250}" type="datetimeFigureOut">
               <a:rPr kumimoji="1" lang="zh-TW" altLang="en-US" smtClean="0"/>
-              <a:t>2022/12/18</a:t>
+              <a:t>2022/12/19</a:t>
             </a:fld>
             <a:endParaRPr kumimoji="1" lang="zh-TW" altLang="en-US"/>
           </a:p>
@@ -1241,7 +1245,7 @@
           <a:p>
             <a:fld id="{20A3B094-A856-B943-B662-75B5C27B6250}" type="datetimeFigureOut">
               <a:rPr kumimoji="1" lang="zh-TW" altLang="en-US" smtClean="0"/>
-              <a:t>2022/12/18</a:t>
+              <a:t>2022/12/19</a:t>
             </a:fld>
             <a:endParaRPr kumimoji="1" lang="zh-TW" altLang="en-US"/>
           </a:p>
@@ -1608,7 +1612,7 @@
           <a:p>
             <a:fld id="{20A3B094-A856-B943-B662-75B5C27B6250}" type="datetimeFigureOut">
               <a:rPr kumimoji="1" lang="zh-TW" altLang="en-US" smtClean="0"/>
-              <a:t>2022/12/18</a:t>
+              <a:t>2022/12/19</a:t>
             </a:fld>
             <a:endParaRPr kumimoji="1" lang="zh-TW" altLang="en-US"/>
           </a:p>
@@ -1726,7 +1730,7 @@
           <a:p>
             <a:fld id="{20A3B094-A856-B943-B662-75B5C27B6250}" type="datetimeFigureOut">
               <a:rPr kumimoji="1" lang="zh-TW" altLang="en-US" smtClean="0"/>
-              <a:t>2022/12/18</a:t>
+              <a:t>2022/12/19</a:t>
             </a:fld>
             <a:endParaRPr kumimoji="1" lang="zh-TW" altLang="en-US"/>
           </a:p>
@@ -1821,7 +1825,7 @@
           <a:p>
             <a:fld id="{20A3B094-A856-B943-B662-75B5C27B6250}" type="datetimeFigureOut">
               <a:rPr kumimoji="1" lang="zh-TW" altLang="en-US" smtClean="0"/>
-              <a:t>2022/12/18</a:t>
+              <a:t>2022/12/19</a:t>
             </a:fld>
             <a:endParaRPr kumimoji="1" lang="zh-TW" altLang="en-US"/>
           </a:p>
@@ -2098,7 +2102,7 @@
           <a:p>
             <a:fld id="{20A3B094-A856-B943-B662-75B5C27B6250}" type="datetimeFigureOut">
               <a:rPr kumimoji="1" lang="zh-TW" altLang="en-US" smtClean="0"/>
-              <a:t>2022/12/18</a:t>
+              <a:t>2022/12/19</a:t>
             </a:fld>
             <a:endParaRPr kumimoji="1" lang="zh-TW" altLang="en-US"/>
           </a:p>
@@ -2355,7 +2359,7 @@
           <a:p>
             <a:fld id="{20A3B094-A856-B943-B662-75B5C27B6250}" type="datetimeFigureOut">
               <a:rPr kumimoji="1" lang="zh-TW" altLang="en-US" smtClean="0"/>
-              <a:t>2022/12/18</a:t>
+              <a:t>2022/12/19</a:t>
             </a:fld>
             <a:endParaRPr kumimoji="1" lang="zh-TW" altLang="en-US"/>
           </a:p>
@@ -2568,7 +2572,7 @@
           <a:p>
             <a:fld id="{20A3B094-A856-B943-B662-75B5C27B6250}" type="datetimeFigureOut">
               <a:rPr kumimoji="1" lang="zh-TW" altLang="en-US" smtClean="0"/>
-              <a:t>2022/12/18</a:t>
+              <a:t>2022/12/19</a:t>
             </a:fld>
             <a:endParaRPr kumimoji="1" lang="zh-TW" altLang="en-US"/>
           </a:p>
@@ -4799,7 +4803,7 @@
         <p:spPr>
           <a:xfrm>
             <a:off x="17627600" y="4280298"/>
-            <a:ext cx="2492990" cy="1477328"/>
+            <a:ext cx="2601994" cy="1477328"/>
           </a:xfrm>
           <a:prstGeom prst="rect">
             <a:avLst/>
@@ -4817,6 +4821,8 @@
                 <a:solidFill>
                   <a:schemeClr val="accent1"/>
                 </a:solidFill>
+                <a:latin typeface="Microsoft JhengHei" panose="020B0604030504040204" pitchFamily="34" charset="-120"/>
+                <a:ea typeface="Microsoft JhengHei" panose="020B0604030504040204" pitchFamily="34" charset="-120"/>
               </a:rPr>
               <a:t>1</a:t>
             </a:r>
@@ -4827,6 +4833,8 @@
                 <a:solidFill>
                   <a:schemeClr val="accent1"/>
                 </a:solidFill>
+                <a:latin typeface="Microsoft JhengHei" panose="020B0604030504040204" pitchFamily="34" charset="-120"/>
+                <a:ea typeface="Microsoft JhengHei" panose="020B0604030504040204" pitchFamily="34" charset="-120"/>
               </a:rPr>
               <a:t>劍南路</a:t>
             </a:r>
@@ -4835,6 +4843,8 @@
                 <a:solidFill>
                   <a:schemeClr val="accent1"/>
                 </a:solidFill>
+                <a:latin typeface="Microsoft JhengHei" panose="020B0604030504040204" pitchFamily="34" charset="-120"/>
+                <a:ea typeface="Microsoft JhengHei" panose="020B0604030504040204" pitchFamily="34" charset="-120"/>
               </a:rPr>
               <a:t>&gt;&gt;</a:t>
             </a:r>
@@ -4843,6 +4853,8 @@
                 <a:solidFill>
                   <a:schemeClr val="accent1"/>
                 </a:solidFill>
+                <a:latin typeface="Microsoft JhengHei" panose="020B0604030504040204" pitchFamily="34" charset="-120"/>
+                <a:ea typeface="Microsoft JhengHei" panose="020B0604030504040204" pitchFamily="34" charset="-120"/>
               </a:rPr>
               <a:t>美麗華</a:t>
             </a:r>
@@ -4850,6 +4862,8 @@
               <a:solidFill>
                 <a:schemeClr val="accent1"/>
               </a:solidFill>
+              <a:latin typeface="Microsoft JhengHei" panose="020B0604030504040204" pitchFamily="34" charset="-120"/>
+              <a:ea typeface="Microsoft JhengHei" panose="020B0604030504040204" pitchFamily="34" charset="-120"/>
             </a:endParaRPr>
           </a:p>
           <a:p>
@@ -4858,6 +4872,8 @@
                 <a:solidFill>
                   <a:schemeClr val="accent1"/>
                 </a:solidFill>
+                <a:latin typeface="Microsoft JhengHei" panose="020B0604030504040204" pitchFamily="34" charset="-120"/>
+                <a:ea typeface="Microsoft JhengHei" panose="020B0604030504040204" pitchFamily="34" charset="-120"/>
               </a:rPr>
               <a:t>小碧潭</a:t>
             </a:r>
@@ -4866,6 +4882,8 @@
                 <a:solidFill>
                   <a:schemeClr val="accent1"/>
                 </a:solidFill>
+                <a:latin typeface="Microsoft JhengHei" panose="020B0604030504040204" pitchFamily="34" charset="-120"/>
+                <a:ea typeface="Microsoft JhengHei" panose="020B0604030504040204" pitchFamily="34" charset="-120"/>
               </a:rPr>
               <a:t>&gt;&gt;IKEA</a:t>
             </a:r>
@@ -4876,6 +4894,8 @@
                 <a:solidFill>
                   <a:schemeClr val="accent1"/>
                 </a:solidFill>
+                <a:latin typeface="Microsoft JhengHei" panose="020B0604030504040204" pitchFamily="34" charset="-120"/>
+                <a:ea typeface="Microsoft JhengHei" panose="020B0604030504040204" pitchFamily="34" charset="-120"/>
               </a:rPr>
               <a:t>圓山</a:t>
             </a:r>
@@ -4884,6 +4904,8 @@
                 <a:solidFill>
                   <a:schemeClr val="accent1"/>
                 </a:solidFill>
+                <a:latin typeface="Microsoft JhengHei" panose="020B0604030504040204" pitchFamily="34" charset="-120"/>
+                <a:ea typeface="Microsoft JhengHei" panose="020B0604030504040204" pitchFamily="34" charset="-120"/>
               </a:rPr>
               <a:t>&gt;&gt;</a:t>
             </a:r>
@@ -4892,6 +4914,8 @@
                 <a:solidFill>
                   <a:schemeClr val="accent1"/>
                 </a:solidFill>
+                <a:latin typeface="Microsoft JhengHei" panose="020B0604030504040204" pitchFamily="34" charset="-120"/>
+                <a:ea typeface="Microsoft JhengHei" panose="020B0604030504040204" pitchFamily="34" charset="-120"/>
               </a:rPr>
               <a:t>花博、河濱</a:t>
             </a:r>
@@ -4899,6 +4923,8 @@
               <a:solidFill>
                 <a:schemeClr val="accent1"/>
               </a:solidFill>
+              <a:latin typeface="Microsoft JhengHei" panose="020B0604030504040204" pitchFamily="34" charset="-120"/>
+              <a:ea typeface="Microsoft JhengHei" panose="020B0604030504040204" pitchFamily="34" charset="-120"/>
             </a:endParaRPr>
           </a:p>
           <a:p>
@@ -4907,6 +4933,8 @@
                 <a:solidFill>
                   <a:schemeClr val="accent1"/>
                 </a:solidFill>
+                <a:latin typeface="Microsoft JhengHei" panose="020B0604030504040204" pitchFamily="34" charset="-120"/>
+                <a:ea typeface="Microsoft JhengHei" panose="020B0604030504040204" pitchFamily="34" charset="-120"/>
               </a:rPr>
               <a:t>大安森林公園</a:t>
             </a:r>
@@ -4915,6 +4943,8 @@
                 <a:solidFill>
                   <a:schemeClr val="accent1"/>
                 </a:solidFill>
+                <a:latin typeface="Microsoft JhengHei" panose="020B0604030504040204" pitchFamily="34" charset="-120"/>
+                <a:ea typeface="Microsoft JhengHei" panose="020B0604030504040204" pitchFamily="34" charset="-120"/>
               </a:rPr>
               <a:t>&gt;&gt;</a:t>
             </a:r>
@@ -4923,6 +4953,8 @@
                 <a:solidFill>
                   <a:schemeClr val="accent1"/>
                 </a:solidFill>
+                <a:latin typeface="Microsoft JhengHei" panose="020B0604030504040204" pitchFamily="34" charset="-120"/>
+                <a:ea typeface="Microsoft JhengHei" panose="020B0604030504040204" pitchFamily="34" charset="-120"/>
               </a:rPr>
               <a:t>總圖？</a:t>
             </a:r>
@@ -4944,7 +4976,7 @@
         <p:spPr>
           <a:xfrm>
             <a:off x="17627600" y="6029202"/>
-            <a:ext cx="1107996" cy="2862322"/>
+            <a:ext cx="1217000" cy="2862322"/>
           </a:xfrm>
           <a:prstGeom prst="rect">
             <a:avLst/>
@@ -4962,6 +4994,8 @@
                 <a:solidFill>
                   <a:schemeClr val="accent2"/>
                 </a:solidFill>
+                <a:latin typeface="Microsoft JhengHei" panose="020B0604030504040204" pitchFamily="34" charset="-120"/>
+                <a:ea typeface="Microsoft JhengHei" panose="020B0604030504040204" pitchFamily="34" charset="-120"/>
               </a:rPr>
               <a:t>2</a:t>
             </a:r>
@@ -4972,6 +5006,8 @@
                 <a:solidFill>
                   <a:schemeClr val="accent2"/>
                 </a:solidFill>
+                <a:latin typeface="Microsoft JhengHei" panose="020B0604030504040204" pitchFamily="34" charset="-120"/>
+                <a:ea typeface="Microsoft JhengHei" panose="020B0604030504040204" pitchFamily="34" charset="-120"/>
               </a:rPr>
               <a:t>士林</a:t>
             </a:r>
@@ -4980,6 +5016,8 @@
                 <a:solidFill>
                   <a:schemeClr val="accent2"/>
                 </a:solidFill>
+                <a:latin typeface="Microsoft JhengHei" panose="020B0604030504040204" pitchFamily="34" charset="-120"/>
+                <a:ea typeface="Microsoft JhengHei" panose="020B0604030504040204" pitchFamily="34" charset="-120"/>
               </a:rPr>
               <a:t>&gt;&gt;</a:t>
             </a:r>
@@ -4990,6 +5028,8 @@
                 <a:solidFill>
                   <a:schemeClr val="accent2"/>
                 </a:solidFill>
+                <a:latin typeface="Microsoft JhengHei" panose="020B0604030504040204" pitchFamily="34" charset="-120"/>
+                <a:ea typeface="Microsoft JhengHei" panose="020B0604030504040204" pitchFamily="34" charset="-120"/>
               </a:rPr>
               <a:t>劍潭</a:t>
             </a:r>
@@ -4998,6 +5038,8 @@
                 <a:solidFill>
                   <a:schemeClr val="accent2"/>
                 </a:solidFill>
+                <a:latin typeface="Microsoft JhengHei" panose="020B0604030504040204" pitchFamily="34" charset="-120"/>
+                <a:ea typeface="Microsoft JhengHei" panose="020B0604030504040204" pitchFamily="34" charset="-120"/>
               </a:rPr>
               <a:t>&gt;&gt;</a:t>
             </a:r>
@@ -5008,6 +5050,8 @@
                 <a:solidFill>
                   <a:schemeClr val="accent2"/>
                 </a:solidFill>
+                <a:latin typeface="Microsoft JhengHei" panose="020B0604030504040204" pitchFamily="34" charset="-120"/>
+                <a:ea typeface="Microsoft JhengHei" panose="020B0604030504040204" pitchFamily="34" charset="-120"/>
               </a:rPr>
               <a:t>三重</a:t>
             </a:r>
@@ -5016,6 +5060,8 @@
                 <a:solidFill>
                   <a:schemeClr val="accent2"/>
                 </a:solidFill>
+                <a:latin typeface="Microsoft JhengHei" panose="020B0604030504040204" pitchFamily="34" charset="-120"/>
+                <a:ea typeface="Microsoft JhengHei" panose="020B0604030504040204" pitchFamily="34" charset="-120"/>
               </a:rPr>
               <a:t>&gt;&gt;</a:t>
             </a:r>
@@ -5026,6 +5072,8 @@
                 <a:solidFill>
                   <a:schemeClr val="accent2"/>
                 </a:solidFill>
+                <a:latin typeface="Microsoft JhengHei" panose="020B0604030504040204" pitchFamily="34" charset="-120"/>
+                <a:ea typeface="Microsoft JhengHei" panose="020B0604030504040204" pitchFamily="34" charset="-120"/>
               </a:rPr>
               <a:t>龍山寺</a:t>
             </a:r>
@@ -5034,6 +5082,8 @@
                 <a:solidFill>
                   <a:schemeClr val="accent2"/>
                 </a:solidFill>
+                <a:latin typeface="Microsoft JhengHei" panose="020B0604030504040204" pitchFamily="34" charset="-120"/>
+                <a:ea typeface="Microsoft JhengHei" panose="020B0604030504040204" pitchFamily="34" charset="-120"/>
               </a:rPr>
               <a:t>&gt;&gt;</a:t>
             </a:r>
@@ -5044,6 +5094,8 @@
                 <a:solidFill>
                   <a:schemeClr val="accent2"/>
                 </a:solidFill>
+                <a:latin typeface="Microsoft JhengHei" panose="020B0604030504040204" pitchFamily="34" charset="-120"/>
+                <a:ea typeface="Microsoft JhengHei" panose="020B0604030504040204" pitchFamily="34" charset="-120"/>
               </a:rPr>
               <a:t>府中</a:t>
             </a:r>
@@ -5052,6 +5104,8 @@
                 <a:solidFill>
                   <a:schemeClr val="accent2"/>
                 </a:solidFill>
+                <a:latin typeface="Microsoft JhengHei" panose="020B0604030504040204" pitchFamily="34" charset="-120"/>
+                <a:ea typeface="Microsoft JhengHei" panose="020B0604030504040204" pitchFamily="34" charset="-120"/>
               </a:rPr>
               <a:t>&gt;&gt;</a:t>
             </a:r>
@@ -5062,6 +5116,8 @@
                 <a:solidFill>
                   <a:schemeClr val="accent2"/>
                 </a:solidFill>
+                <a:latin typeface="Microsoft JhengHei" panose="020B0604030504040204" pitchFamily="34" charset="-120"/>
+                <a:ea typeface="Microsoft JhengHei" panose="020B0604030504040204" pitchFamily="34" charset="-120"/>
               </a:rPr>
               <a:t>北門</a:t>
             </a:r>
@@ -5070,6 +5126,8 @@
                 <a:solidFill>
                   <a:schemeClr val="accent2"/>
                 </a:solidFill>
+                <a:latin typeface="Microsoft JhengHei" panose="020B0604030504040204" pitchFamily="34" charset="-120"/>
+                <a:ea typeface="Microsoft JhengHei" panose="020B0604030504040204" pitchFamily="34" charset="-120"/>
               </a:rPr>
               <a:t>&gt;&gt;</a:t>
             </a:r>
@@ -5080,6 +5138,8 @@
                 <a:solidFill>
                   <a:schemeClr val="accent2"/>
                 </a:solidFill>
+                <a:latin typeface="Microsoft JhengHei" panose="020B0604030504040204" pitchFamily="34" charset="-120"/>
+                <a:ea typeface="Microsoft JhengHei" panose="020B0604030504040204" pitchFamily="34" charset="-120"/>
               </a:rPr>
               <a:t>東門</a:t>
             </a:r>
@@ -5088,6 +5148,8 @@
                 <a:solidFill>
                   <a:schemeClr val="accent2"/>
                 </a:solidFill>
+                <a:latin typeface="Microsoft JhengHei" panose="020B0604030504040204" pitchFamily="34" charset="-120"/>
+                <a:ea typeface="Microsoft JhengHei" panose="020B0604030504040204" pitchFamily="34" charset="-120"/>
               </a:rPr>
               <a:t>&gt;&gt;</a:t>
             </a:r>
@@ -5098,6 +5160,8 @@
                 <a:solidFill>
                   <a:schemeClr val="accent2"/>
                 </a:solidFill>
+                <a:latin typeface="Microsoft JhengHei" panose="020B0604030504040204" pitchFamily="34" charset="-120"/>
+                <a:ea typeface="Microsoft JhengHei" panose="020B0604030504040204" pitchFamily="34" charset="-120"/>
               </a:rPr>
               <a:t>秀朗橋</a:t>
             </a:r>
@@ -5106,6 +5170,8 @@
                 <a:solidFill>
                   <a:schemeClr val="accent2"/>
                 </a:solidFill>
+                <a:latin typeface="Microsoft JhengHei" panose="020B0604030504040204" pitchFamily="34" charset="-120"/>
+                <a:ea typeface="Microsoft JhengHei" panose="020B0604030504040204" pitchFamily="34" charset="-120"/>
               </a:rPr>
               <a:t>&gt;&gt;</a:t>
             </a:r>
@@ -5116,6 +5182,8 @@
                 <a:solidFill>
                   <a:schemeClr val="accent2"/>
                 </a:solidFill>
+                <a:latin typeface="Microsoft JhengHei" panose="020B0604030504040204" pitchFamily="34" charset="-120"/>
+                <a:ea typeface="Microsoft JhengHei" panose="020B0604030504040204" pitchFamily="34" charset="-120"/>
               </a:rPr>
               <a:t>新店</a:t>
             </a:r>
@@ -5124,6 +5192,8 @@
                 <a:solidFill>
                   <a:schemeClr val="accent2"/>
                 </a:solidFill>
+                <a:latin typeface="Microsoft JhengHei" panose="020B0604030504040204" pitchFamily="34" charset="-120"/>
+                <a:ea typeface="Microsoft JhengHei" panose="020B0604030504040204" pitchFamily="34" charset="-120"/>
               </a:rPr>
               <a:t>&gt;&gt;</a:t>
             </a:r>
@@ -5131,7 +5201,45 @@
               <a:solidFill>
                 <a:schemeClr val="accent2"/>
               </a:solidFill>
+              <a:latin typeface="Microsoft JhengHei" panose="020B0604030504040204" pitchFamily="34" charset="-120"/>
+              <a:ea typeface="Microsoft JhengHei" panose="020B0604030504040204" pitchFamily="34" charset="-120"/>
             </a:endParaRPr>
+          </a:p>
+        </p:txBody>
+      </p:sp>
+      <p:sp>
+        <p:nvSpPr>
+          <p:cNvPr id="2" name="文字方塊 1">
+            <a:extLst>
+              <a:ext uri="{FF2B5EF4-FFF2-40B4-BE49-F238E27FC236}">
+                <a16:creationId xmlns:a16="http://schemas.microsoft.com/office/drawing/2014/main" id="{D1F8B02B-1339-8493-7D94-485C66191777}"/>
+              </a:ext>
+            </a:extLst>
+          </p:cNvPr>
+          <p:cNvSpPr txBox="1"/>
+          <p:nvPr/>
+        </p:nvSpPr>
+        <p:spPr>
+          <a:xfrm>
+            <a:off x="2061275" y="1844298"/>
+            <a:ext cx="1554400" cy="369332"/>
+          </a:xfrm>
+          <a:prstGeom prst="rect">
+            <a:avLst/>
+          </a:prstGeom>
+          <a:noFill/>
+        </p:spPr>
+        <p:txBody>
+          <a:bodyPr wrap="none" rtlCol="0">
+            <a:spAutoFit/>
+          </a:bodyPr>
+          <a:lstStyle/>
+          <a:p>
+            <a:r>
+              <a:rPr kumimoji="1" lang="en-US" altLang="zh-TW" dirty="0" err="1"/>
+              <a:t>standardscaler</a:t>
+            </a:r>
+            <a:endParaRPr kumimoji="1" lang="zh-TW" altLang="en-US" dirty="0"/>
           </a:p>
         </p:txBody>
       </p:sp>
@@ -5139,6 +5247,3662 @@
     <p:extLst>
       <p:ext uri="{BB962C8B-B14F-4D97-AF65-F5344CB8AC3E}">
         <p14:creationId xmlns:p14="http://schemas.microsoft.com/office/powerpoint/2010/main" val="1920304751"/>
+      </p:ext>
+    </p:extLst>
+  </p:cSld>
+  <p:clrMapOvr>
+    <a:masterClrMapping/>
+  </p:clrMapOvr>
+</p:sld>
+</file>
+
+<file path=ppt/slides/slide2.xml><?xml version="1.0" encoding="utf-8"?>
+<p:sld xmlns:a="http://schemas.openxmlformats.org/drawingml/2006/main" xmlns:r="http://schemas.openxmlformats.org/officeDocument/2006/relationships" xmlns:p="http://schemas.openxmlformats.org/presentationml/2006/main">
+  <p:cSld>
+    <p:spTree>
+      <p:nvGrpSpPr>
+        <p:cNvPr id="1" name=""/>
+        <p:cNvGrpSpPr/>
+        <p:nvPr/>
+      </p:nvGrpSpPr>
+      <p:grpSpPr>
+        <a:xfrm>
+          <a:off x="0" y="0"/>
+          <a:ext cx="0" cy="0"/>
+          <a:chOff x="0" y="0"/>
+          <a:chExt cx="0" cy="0"/>
+        </a:xfrm>
+      </p:grpSpPr>
+      <p:pic>
+        <p:nvPicPr>
+          <p:cNvPr id="5" name="圖片 4">
+            <a:extLst>
+              <a:ext uri="{FF2B5EF4-FFF2-40B4-BE49-F238E27FC236}">
+                <a16:creationId xmlns:a16="http://schemas.microsoft.com/office/drawing/2014/main" id="{A0CAE654-67F8-E358-F12D-0992CAE361ED}"/>
+              </a:ext>
+            </a:extLst>
+          </p:cNvPr>
+          <p:cNvPicPr>
+            <a:picLocks noChangeAspect="1"/>
+          </p:cNvPicPr>
+          <p:nvPr/>
+        </p:nvPicPr>
+        <p:blipFill>
+          <a:blip r:embed="rId2">
+            <a:grayscl/>
+          </a:blip>
+          <a:stretch>
+            <a:fillRect/>
+          </a:stretch>
+        </p:blipFill>
+        <p:spPr>
+          <a:xfrm>
+            <a:off x="6712239" y="-18512"/>
+            <a:ext cx="10225567" cy="13698000"/>
+          </a:xfrm>
+          <a:prstGeom prst="rect">
+            <a:avLst/>
+          </a:prstGeom>
+        </p:spPr>
+      </p:pic>
+      <p:sp>
+        <p:nvSpPr>
+          <p:cNvPr id="6" name="橢圓 5">
+            <a:extLst>
+              <a:ext uri="{FF2B5EF4-FFF2-40B4-BE49-F238E27FC236}">
+                <a16:creationId xmlns:a16="http://schemas.microsoft.com/office/drawing/2014/main" id="{99E36502-6194-F76C-52B5-DDEFC6803989}"/>
+              </a:ext>
+            </a:extLst>
+          </p:cNvPr>
+          <p:cNvSpPr/>
+          <p:nvPr/>
+        </p:nvSpPr>
+        <p:spPr>
+          <a:xfrm>
+            <a:off x="12845143" y="7881257"/>
+            <a:ext cx="359228" cy="348343"/>
+          </a:xfrm>
+          <a:prstGeom prst="ellipse">
+            <a:avLst/>
+          </a:prstGeom>
+          <a:solidFill>
+            <a:srgbClr val="4472C4">
+              <a:alpha val="50196"/>
+            </a:srgbClr>
+          </a:solidFill>
+        </p:spPr>
+        <p:style>
+          <a:lnRef idx="2">
+            <a:schemeClr val="accent1">
+              <a:shade val="50000"/>
+            </a:schemeClr>
+          </a:lnRef>
+          <a:fillRef idx="1">
+            <a:schemeClr val="accent1"/>
+          </a:fillRef>
+          <a:effectRef idx="0">
+            <a:schemeClr val="accent1"/>
+          </a:effectRef>
+          <a:fontRef idx="minor">
+            <a:schemeClr val="lt1"/>
+          </a:fontRef>
+        </p:style>
+        <p:txBody>
+          <a:bodyPr rtlCol="0" anchor="ctr"/>
+          <a:lstStyle/>
+          <a:p>
+            <a:pPr algn="ctr"/>
+            <a:endParaRPr kumimoji="1" lang="zh-TW" altLang="en-US"/>
+          </a:p>
+        </p:txBody>
+      </p:sp>
+      <p:sp>
+        <p:nvSpPr>
+          <p:cNvPr id="7" name="橢圓 6">
+            <a:extLst>
+              <a:ext uri="{FF2B5EF4-FFF2-40B4-BE49-F238E27FC236}">
+                <a16:creationId xmlns:a16="http://schemas.microsoft.com/office/drawing/2014/main" id="{574C5136-F9A9-BD3E-6A19-40AC154DAE2F}"/>
+              </a:ext>
+            </a:extLst>
+          </p:cNvPr>
+          <p:cNvSpPr/>
+          <p:nvPr/>
+        </p:nvSpPr>
+        <p:spPr>
+          <a:xfrm>
+            <a:off x="15229115" y="11266565"/>
+            <a:ext cx="359228" cy="348343"/>
+          </a:xfrm>
+          <a:prstGeom prst="ellipse">
+            <a:avLst/>
+          </a:prstGeom>
+          <a:solidFill>
+            <a:srgbClr val="4472C4">
+              <a:alpha val="50196"/>
+            </a:srgbClr>
+          </a:solidFill>
+        </p:spPr>
+        <p:style>
+          <a:lnRef idx="2">
+            <a:schemeClr val="accent1">
+              <a:shade val="50000"/>
+            </a:schemeClr>
+          </a:lnRef>
+          <a:fillRef idx="1">
+            <a:schemeClr val="accent1"/>
+          </a:fillRef>
+          <a:effectRef idx="0">
+            <a:schemeClr val="accent1"/>
+          </a:effectRef>
+          <a:fontRef idx="minor">
+            <a:schemeClr val="lt1"/>
+          </a:fontRef>
+        </p:style>
+        <p:txBody>
+          <a:bodyPr rtlCol="0" anchor="ctr"/>
+          <a:lstStyle/>
+          <a:p>
+            <a:pPr algn="ctr"/>
+            <a:endParaRPr kumimoji="1" lang="zh-TW" altLang="en-US"/>
+          </a:p>
+        </p:txBody>
+      </p:sp>
+      <p:sp>
+        <p:nvSpPr>
+          <p:cNvPr id="8" name="橢圓 7">
+            <a:extLst>
+              <a:ext uri="{FF2B5EF4-FFF2-40B4-BE49-F238E27FC236}">
+                <a16:creationId xmlns:a16="http://schemas.microsoft.com/office/drawing/2014/main" id="{3AF5846D-479F-E495-CBB1-0F0E6163A79D}"/>
+              </a:ext>
+            </a:extLst>
+          </p:cNvPr>
+          <p:cNvSpPr/>
+          <p:nvPr/>
+        </p:nvSpPr>
+        <p:spPr>
+          <a:xfrm>
+            <a:off x="12845143" y="4790307"/>
+            <a:ext cx="359228" cy="348343"/>
+          </a:xfrm>
+          <a:prstGeom prst="ellipse">
+            <a:avLst/>
+          </a:prstGeom>
+          <a:solidFill>
+            <a:srgbClr val="4472C4">
+              <a:alpha val="50196"/>
+            </a:srgbClr>
+          </a:solidFill>
+        </p:spPr>
+        <p:style>
+          <a:lnRef idx="2">
+            <a:schemeClr val="accent1">
+              <a:shade val="50000"/>
+            </a:schemeClr>
+          </a:lnRef>
+          <a:fillRef idx="1">
+            <a:schemeClr val="accent1"/>
+          </a:fillRef>
+          <a:effectRef idx="0">
+            <a:schemeClr val="accent1"/>
+          </a:effectRef>
+          <a:fontRef idx="minor">
+            <a:schemeClr val="lt1"/>
+          </a:fontRef>
+        </p:style>
+        <p:txBody>
+          <a:bodyPr rtlCol="0" anchor="ctr"/>
+          <a:lstStyle/>
+          <a:p>
+            <a:pPr algn="ctr"/>
+            <a:endParaRPr kumimoji="1" lang="zh-TW" altLang="en-US"/>
+          </a:p>
+        </p:txBody>
+      </p:sp>
+      <p:sp>
+        <p:nvSpPr>
+          <p:cNvPr id="9" name="橢圓 8">
+            <a:extLst>
+              <a:ext uri="{FF2B5EF4-FFF2-40B4-BE49-F238E27FC236}">
+                <a16:creationId xmlns:a16="http://schemas.microsoft.com/office/drawing/2014/main" id="{6C4198EF-CD5D-7E36-7DAF-6EF5C2D175F6}"/>
+              </a:ext>
+            </a:extLst>
+          </p:cNvPr>
+          <p:cNvSpPr/>
+          <p:nvPr/>
+        </p:nvSpPr>
+        <p:spPr>
+          <a:xfrm>
+            <a:off x="15588343" y="4790306"/>
+            <a:ext cx="359228" cy="348343"/>
+          </a:xfrm>
+          <a:prstGeom prst="ellipse">
+            <a:avLst/>
+          </a:prstGeom>
+          <a:solidFill>
+            <a:srgbClr val="4472C4">
+              <a:alpha val="50196"/>
+            </a:srgbClr>
+          </a:solidFill>
+        </p:spPr>
+        <p:style>
+          <a:lnRef idx="2">
+            <a:schemeClr val="accent1">
+              <a:shade val="50000"/>
+            </a:schemeClr>
+          </a:lnRef>
+          <a:fillRef idx="1">
+            <a:schemeClr val="accent1"/>
+          </a:fillRef>
+          <a:effectRef idx="0">
+            <a:schemeClr val="accent1"/>
+          </a:effectRef>
+          <a:fontRef idx="minor">
+            <a:schemeClr val="lt1"/>
+          </a:fontRef>
+        </p:style>
+        <p:txBody>
+          <a:bodyPr rtlCol="0" anchor="ctr"/>
+          <a:lstStyle/>
+          <a:p>
+            <a:pPr algn="ctr"/>
+            <a:endParaRPr kumimoji="1" lang="zh-TW" altLang="en-US"/>
+          </a:p>
+        </p:txBody>
+      </p:sp>
+      <p:sp>
+        <p:nvSpPr>
+          <p:cNvPr id="10" name="橢圓 9">
+            <a:extLst>
+              <a:ext uri="{FF2B5EF4-FFF2-40B4-BE49-F238E27FC236}">
+                <a16:creationId xmlns:a16="http://schemas.microsoft.com/office/drawing/2014/main" id="{CB0A2419-3315-35F0-5D6D-C966387A8FDA}"/>
+              </a:ext>
+            </a:extLst>
+          </p:cNvPr>
+          <p:cNvSpPr/>
+          <p:nvPr/>
+        </p:nvSpPr>
+        <p:spPr>
+          <a:xfrm>
+            <a:off x="12137573" y="11941884"/>
+            <a:ext cx="359228" cy="348343"/>
+          </a:xfrm>
+          <a:prstGeom prst="ellipse">
+            <a:avLst/>
+          </a:prstGeom>
+          <a:solidFill>
+            <a:srgbClr val="4472C4">
+              <a:alpha val="50196"/>
+            </a:srgbClr>
+          </a:solidFill>
+        </p:spPr>
+        <p:style>
+          <a:lnRef idx="2">
+            <a:schemeClr val="accent1">
+              <a:shade val="50000"/>
+            </a:schemeClr>
+          </a:lnRef>
+          <a:fillRef idx="1">
+            <a:schemeClr val="accent1"/>
+          </a:fillRef>
+          <a:effectRef idx="0">
+            <a:schemeClr val="accent1"/>
+          </a:effectRef>
+          <a:fontRef idx="minor">
+            <a:schemeClr val="lt1"/>
+          </a:fontRef>
+        </p:style>
+        <p:txBody>
+          <a:bodyPr rtlCol="0" anchor="ctr"/>
+          <a:lstStyle/>
+          <a:p>
+            <a:pPr algn="ctr"/>
+            <a:endParaRPr kumimoji="1" lang="zh-TW" altLang="en-US"/>
+          </a:p>
+        </p:txBody>
+      </p:sp>
+      <p:sp>
+        <p:nvSpPr>
+          <p:cNvPr id="11" name="橢圓 10">
+            <a:extLst>
+              <a:ext uri="{FF2B5EF4-FFF2-40B4-BE49-F238E27FC236}">
+                <a16:creationId xmlns:a16="http://schemas.microsoft.com/office/drawing/2014/main" id="{71BE8603-06CF-34E0-3C3A-6E8C4095AECA}"/>
+              </a:ext>
+            </a:extLst>
+          </p:cNvPr>
+          <p:cNvSpPr/>
+          <p:nvPr/>
+        </p:nvSpPr>
+        <p:spPr>
+          <a:xfrm>
+            <a:off x="10754816" y="7881256"/>
+            <a:ext cx="359228" cy="348343"/>
+          </a:xfrm>
+          <a:prstGeom prst="ellipse">
+            <a:avLst/>
+          </a:prstGeom>
+          <a:solidFill>
+            <a:srgbClr val="4472C4">
+              <a:alpha val="50196"/>
+            </a:srgbClr>
+          </a:solidFill>
+        </p:spPr>
+        <p:style>
+          <a:lnRef idx="2">
+            <a:schemeClr val="accent1">
+              <a:shade val="50000"/>
+            </a:schemeClr>
+          </a:lnRef>
+          <a:fillRef idx="1">
+            <a:schemeClr val="accent1"/>
+          </a:fillRef>
+          <a:effectRef idx="0">
+            <a:schemeClr val="accent1"/>
+          </a:effectRef>
+          <a:fontRef idx="minor">
+            <a:schemeClr val="lt1"/>
+          </a:fontRef>
+        </p:style>
+        <p:txBody>
+          <a:bodyPr rtlCol="0" anchor="ctr"/>
+          <a:lstStyle/>
+          <a:p>
+            <a:pPr algn="ctr"/>
+            <a:endParaRPr kumimoji="1" lang="zh-TW" altLang="en-US"/>
+          </a:p>
+        </p:txBody>
+      </p:sp>
+      <p:sp>
+        <p:nvSpPr>
+          <p:cNvPr id="12" name="橢圓 11">
+            <a:extLst>
+              <a:ext uri="{FF2B5EF4-FFF2-40B4-BE49-F238E27FC236}">
+                <a16:creationId xmlns:a16="http://schemas.microsoft.com/office/drawing/2014/main" id="{716CC2BE-5901-5BD2-171B-1D04EE1A0573}"/>
+              </a:ext>
+            </a:extLst>
+          </p:cNvPr>
+          <p:cNvSpPr/>
+          <p:nvPr/>
+        </p:nvSpPr>
+        <p:spPr>
+          <a:xfrm>
+            <a:off x="10754816" y="5382280"/>
+            <a:ext cx="359228" cy="348343"/>
+          </a:xfrm>
+          <a:prstGeom prst="ellipse">
+            <a:avLst/>
+          </a:prstGeom>
+          <a:solidFill>
+            <a:srgbClr val="4472C4">
+              <a:alpha val="50196"/>
+            </a:srgbClr>
+          </a:solidFill>
+        </p:spPr>
+        <p:style>
+          <a:lnRef idx="2">
+            <a:schemeClr val="accent1">
+              <a:shade val="50000"/>
+            </a:schemeClr>
+          </a:lnRef>
+          <a:fillRef idx="1">
+            <a:schemeClr val="accent1"/>
+          </a:fillRef>
+          <a:effectRef idx="0">
+            <a:schemeClr val="accent1"/>
+          </a:effectRef>
+          <a:fontRef idx="minor">
+            <a:schemeClr val="lt1"/>
+          </a:fontRef>
+        </p:style>
+        <p:txBody>
+          <a:bodyPr rtlCol="0" anchor="ctr"/>
+          <a:lstStyle/>
+          <a:p>
+            <a:pPr algn="ctr"/>
+            <a:endParaRPr kumimoji="1" lang="zh-TW" altLang="en-US"/>
+          </a:p>
+        </p:txBody>
+      </p:sp>
+      <p:sp>
+        <p:nvSpPr>
+          <p:cNvPr id="13" name="橢圓 12">
+            <a:extLst>
+              <a:ext uri="{FF2B5EF4-FFF2-40B4-BE49-F238E27FC236}">
+                <a16:creationId xmlns:a16="http://schemas.microsoft.com/office/drawing/2014/main" id="{B35DF51D-6E40-9E9E-05C6-AF6ACA80D9B5}"/>
+              </a:ext>
+            </a:extLst>
+          </p:cNvPr>
+          <p:cNvSpPr/>
+          <p:nvPr/>
+        </p:nvSpPr>
+        <p:spPr>
+          <a:xfrm>
+            <a:off x="9418751" y="2238751"/>
+            <a:ext cx="359228" cy="348343"/>
+          </a:xfrm>
+          <a:prstGeom prst="ellipse">
+            <a:avLst/>
+          </a:prstGeom>
+          <a:solidFill>
+            <a:srgbClr val="4472C4">
+              <a:alpha val="50196"/>
+            </a:srgbClr>
+          </a:solidFill>
+        </p:spPr>
+        <p:style>
+          <a:lnRef idx="2">
+            <a:schemeClr val="accent1">
+              <a:shade val="50000"/>
+            </a:schemeClr>
+          </a:lnRef>
+          <a:fillRef idx="1">
+            <a:schemeClr val="accent1"/>
+          </a:fillRef>
+          <a:effectRef idx="0">
+            <a:schemeClr val="accent1"/>
+          </a:effectRef>
+          <a:fontRef idx="minor">
+            <a:schemeClr val="lt1"/>
+          </a:fontRef>
+        </p:style>
+        <p:txBody>
+          <a:bodyPr rtlCol="0" anchor="ctr"/>
+          <a:lstStyle/>
+          <a:p>
+            <a:pPr algn="ctr"/>
+            <a:endParaRPr kumimoji="1" lang="zh-TW" altLang="en-US"/>
+          </a:p>
+        </p:txBody>
+      </p:sp>
+      <p:sp>
+        <p:nvSpPr>
+          <p:cNvPr id="14" name="橢圓 13">
+            <a:extLst>
+              <a:ext uri="{FF2B5EF4-FFF2-40B4-BE49-F238E27FC236}">
+                <a16:creationId xmlns:a16="http://schemas.microsoft.com/office/drawing/2014/main" id="{FA2928F6-E6CF-1312-F95E-8F698CBD9E84}"/>
+              </a:ext>
+            </a:extLst>
+          </p:cNvPr>
+          <p:cNvSpPr/>
+          <p:nvPr/>
+        </p:nvSpPr>
+        <p:spPr>
+          <a:xfrm>
+            <a:off x="8166894" y="796399"/>
+            <a:ext cx="359228" cy="348343"/>
+          </a:xfrm>
+          <a:prstGeom prst="ellipse">
+            <a:avLst/>
+          </a:prstGeom>
+          <a:solidFill>
+            <a:srgbClr val="4472C4">
+              <a:alpha val="50196"/>
+            </a:srgbClr>
+          </a:solidFill>
+        </p:spPr>
+        <p:style>
+          <a:lnRef idx="2">
+            <a:schemeClr val="accent1">
+              <a:shade val="50000"/>
+            </a:schemeClr>
+          </a:lnRef>
+          <a:fillRef idx="1">
+            <a:schemeClr val="accent1"/>
+          </a:fillRef>
+          <a:effectRef idx="0">
+            <a:schemeClr val="accent1"/>
+          </a:effectRef>
+          <a:fontRef idx="minor">
+            <a:schemeClr val="lt1"/>
+          </a:fontRef>
+        </p:style>
+        <p:txBody>
+          <a:bodyPr rtlCol="0" anchor="ctr"/>
+          <a:lstStyle/>
+          <a:p>
+            <a:pPr algn="ctr"/>
+            <a:endParaRPr kumimoji="1" lang="zh-TW" altLang="en-US"/>
+          </a:p>
+        </p:txBody>
+      </p:sp>
+      <p:sp>
+        <p:nvSpPr>
+          <p:cNvPr id="15" name="橢圓 14">
+            <a:extLst>
+              <a:ext uri="{FF2B5EF4-FFF2-40B4-BE49-F238E27FC236}">
+                <a16:creationId xmlns:a16="http://schemas.microsoft.com/office/drawing/2014/main" id="{32D76A75-0C9C-B06B-8207-372BA91FD54B}"/>
+              </a:ext>
+            </a:extLst>
+          </p:cNvPr>
+          <p:cNvSpPr/>
+          <p:nvPr/>
+        </p:nvSpPr>
+        <p:spPr>
+          <a:xfrm>
+            <a:off x="10014632" y="7921076"/>
+            <a:ext cx="359228" cy="348343"/>
+          </a:xfrm>
+          <a:prstGeom prst="ellipse">
+            <a:avLst/>
+          </a:prstGeom>
+          <a:solidFill>
+            <a:srgbClr val="4472C4">
+              <a:alpha val="50196"/>
+            </a:srgbClr>
+          </a:solidFill>
+        </p:spPr>
+        <p:style>
+          <a:lnRef idx="2">
+            <a:schemeClr val="accent1">
+              <a:shade val="50000"/>
+            </a:schemeClr>
+          </a:lnRef>
+          <a:fillRef idx="1">
+            <a:schemeClr val="accent1"/>
+          </a:fillRef>
+          <a:effectRef idx="0">
+            <a:schemeClr val="accent1"/>
+          </a:effectRef>
+          <a:fontRef idx="minor">
+            <a:schemeClr val="lt1"/>
+          </a:fontRef>
+        </p:style>
+        <p:txBody>
+          <a:bodyPr rtlCol="0" anchor="ctr"/>
+          <a:lstStyle/>
+          <a:p>
+            <a:pPr algn="ctr"/>
+            <a:endParaRPr kumimoji="1" lang="zh-TW" altLang="en-US"/>
+          </a:p>
+        </p:txBody>
+      </p:sp>
+      <p:sp>
+        <p:nvSpPr>
+          <p:cNvPr id="16" name="橢圓 15">
+            <a:extLst>
+              <a:ext uri="{FF2B5EF4-FFF2-40B4-BE49-F238E27FC236}">
+                <a16:creationId xmlns:a16="http://schemas.microsoft.com/office/drawing/2014/main" id="{83022BDF-78F9-614E-0553-37C72355E194}"/>
+              </a:ext>
+            </a:extLst>
+          </p:cNvPr>
+          <p:cNvSpPr/>
+          <p:nvPr/>
+        </p:nvSpPr>
+        <p:spPr>
+          <a:xfrm>
+            <a:off x="12317187" y="8836253"/>
+            <a:ext cx="359228" cy="348343"/>
+          </a:xfrm>
+          <a:prstGeom prst="ellipse">
+            <a:avLst/>
+          </a:prstGeom>
+          <a:solidFill>
+            <a:srgbClr val="4472C4">
+              <a:alpha val="50196"/>
+            </a:srgbClr>
+          </a:solidFill>
+        </p:spPr>
+        <p:style>
+          <a:lnRef idx="2">
+            <a:schemeClr val="accent1">
+              <a:shade val="50000"/>
+            </a:schemeClr>
+          </a:lnRef>
+          <a:fillRef idx="1">
+            <a:schemeClr val="accent1"/>
+          </a:fillRef>
+          <a:effectRef idx="0">
+            <a:schemeClr val="accent1"/>
+          </a:effectRef>
+          <a:fontRef idx="minor">
+            <a:schemeClr val="lt1"/>
+          </a:fontRef>
+        </p:style>
+        <p:txBody>
+          <a:bodyPr rtlCol="0" anchor="ctr"/>
+          <a:lstStyle/>
+          <a:p>
+            <a:pPr algn="ctr"/>
+            <a:endParaRPr kumimoji="1" lang="zh-TW" altLang="en-US"/>
+          </a:p>
+        </p:txBody>
+      </p:sp>
+      <p:sp>
+        <p:nvSpPr>
+          <p:cNvPr id="17" name="橢圓 16">
+            <a:extLst>
+              <a:ext uri="{FF2B5EF4-FFF2-40B4-BE49-F238E27FC236}">
+                <a16:creationId xmlns:a16="http://schemas.microsoft.com/office/drawing/2014/main" id="{5B109150-3221-C6F3-344D-9BA38DF02901}"/>
+              </a:ext>
+            </a:extLst>
+          </p:cNvPr>
+          <p:cNvSpPr/>
+          <p:nvPr/>
+        </p:nvSpPr>
+        <p:spPr>
+          <a:xfrm>
+            <a:off x="8593441" y="9500281"/>
+            <a:ext cx="359228" cy="348343"/>
+          </a:xfrm>
+          <a:prstGeom prst="ellipse">
+            <a:avLst/>
+          </a:prstGeom>
+          <a:solidFill>
+            <a:srgbClr val="4472C4">
+              <a:alpha val="50196"/>
+            </a:srgbClr>
+          </a:solidFill>
+        </p:spPr>
+        <p:style>
+          <a:lnRef idx="2">
+            <a:schemeClr val="accent1">
+              <a:shade val="50000"/>
+            </a:schemeClr>
+          </a:lnRef>
+          <a:fillRef idx="1">
+            <a:schemeClr val="accent1"/>
+          </a:fillRef>
+          <a:effectRef idx="0">
+            <a:schemeClr val="accent1"/>
+          </a:effectRef>
+          <a:fontRef idx="minor">
+            <a:schemeClr val="lt1"/>
+          </a:fontRef>
+        </p:style>
+        <p:txBody>
+          <a:bodyPr rtlCol="0" anchor="ctr"/>
+          <a:lstStyle/>
+          <a:p>
+            <a:pPr algn="ctr"/>
+            <a:endParaRPr kumimoji="1" lang="zh-TW" altLang="en-US"/>
+          </a:p>
+        </p:txBody>
+      </p:sp>
+      <p:sp>
+        <p:nvSpPr>
+          <p:cNvPr id="18" name="橢圓 17">
+            <a:extLst>
+              <a:ext uri="{FF2B5EF4-FFF2-40B4-BE49-F238E27FC236}">
+                <a16:creationId xmlns:a16="http://schemas.microsoft.com/office/drawing/2014/main" id="{E86F43A8-630C-5C1E-5C52-115424A82ED4}"/>
+              </a:ext>
+            </a:extLst>
+          </p:cNvPr>
+          <p:cNvSpPr/>
+          <p:nvPr/>
+        </p:nvSpPr>
+        <p:spPr>
+          <a:xfrm>
+            <a:off x="8952669" y="9500282"/>
+            <a:ext cx="359228" cy="348343"/>
+          </a:xfrm>
+          <a:prstGeom prst="ellipse">
+            <a:avLst/>
+          </a:prstGeom>
+          <a:solidFill>
+            <a:srgbClr val="4472C4">
+              <a:alpha val="50196"/>
+            </a:srgbClr>
+          </a:solidFill>
+        </p:spPr>
+        <p:style>
+          <a:lnRef idx="2">
+            <a:schemeClr val="accent1">
+              <a:shade val="50000"/>
+            </a:schemeClr>
+          </a:lnRef>
+          <a:fillRef idx="1">
+            <a:schemeClr val="accent1"/>
+          </a:fillRef>
+          <a:effectRef idx="0">
+            <a:schemeClr val="accent1"/>
+          </a:effectRef>
+          <a:fontRef idx="minor">
+            <a:schemeClr val="lt1"/>
+          </a:fontRef>
+        </p:style>
+        <p:txBody>
+          <a:bodyPr rtlCol="0" anchor="ctr"/>
+          <a:lstStyle/>
+          <a:p>
+            <a:pPr algn="ctr"/>
+            <a:endParaRPr kumimoji="1" lang="zh-TW" altLang="en-US"/>
+          </a:p>
+        </p:txBody>
+      </p:sp>
+      <p:sp>
+        <p:nvSpPr>
+          <p:cNvPr id="19" name="橢圓 18">
+            <a:extLst>
+              <a:ext uri="{FF2B5EF4-FFF2-40B4-BE49-F238E27FC236}">
+                <a16:creationId xmlns:a16="http://schemas.microsoft.com/office/drawing/2014/main" id="{90409ADE-CB66-7882-3D59-528A4AB4D034}"/>
+              </a:ext>
+            </a:extLst>
+          </p:cNvPr>
+          <p:cNvSpPr/>
+          <p:nvPr/>
+        </p:nvSpPr>
+        <p:spPr>
+          <a:xfrm>
+            <a:off x="10754816" y="6977016"/>
+            <a:ext cx="359228" cy="348343"/>
+          </a:xfrm>
+          <a:prstGeom prst="ellipse">
+            <a:avLst/>
+          </a:prstGeom>
+          <a:solidFill>
+            <a:srgbClr val="4472C4">
+              <a:alpha val="50196"/>
+            </a:srgbClr>
+          </a:solidFill>
+        </p:spPr>
+        <p:style>
+          <a:lnRef idx="2">
+            <a:schemeClr val="accent1">
+              <a:shade val="50000"/>
+            </a:schemeClr>
+          </a:lnRef>
+          <a:fillRef idx="1">
+            <a:schemeClr val="accent1"/>
+          </a:fillRef>
+          <a:effectRef idx="0">
+            <a:schemeClr val="accent1"/>
+          </a:effectRef>
+          <a:fontRef idx="minor">
+            <a:schemeClr val="lt1"/>
+          </a:fontRef>
+        </p:style>
+        <p:txBody>
+          <a:bodyPr rtlCol="0" anchor="ctr"/>
+          <a:lstStyle/>
+          <a:p>
+            <a:pPr algn="ctr"/>
+            <a:endParaRPr kumimoji="1" lang="zh-TW" altLang="en-US"/>
+          </a:p>
+        </p:txBody>
+      </p:sp>
+      <p:sp>
+        <p:nvSpPr>
+          <p:cNvPr id="39" name="橢圓 38">
+            <a:extLst>
+              <a:ext uri="{FF2B5EF4-FFF2-40B4-BE49-F238E27FC236}">
+                <a16:creationId xmlns:a16="http://schemas.microsoft.com/office/drawing/2014/main" id="{B51976A0-8D42-CFC9-F00D-E35BD5B24710}"/>
+              </a:ext>
+            </a:extLst>
+          </p:cNvPr>
+          <p:cNvSpPr/>
+          <p:nvPr/>
+        </p:nvSpPr>
+        <p:spPr>
+          <a:xfrm>
+            <a:off x="8125023" y="1383281"/>
+            <a:ext cx="359228" cy="348343"/>
+          </a:xfrm>
+          <a:prstGeom prst="ellipse">
+            <a:avLst/>
+          </a:prstGeom>
+          <a:solidFill>
+            <a:schemeClr val="accent2">
+              <a:alpha val="50196"/>
+            </a:schemeClr>
+          </a:solidFill>
+          <a:ln w="38100">
+            <a:solidFill>
+              <a:schemeClr val="accent2"/>
+            </a:solidFill>
+          </a:ln>
+        </p:spPr>
+        <p:style>
+          <a:lnRef idx="2">
+            <a:schemeClr val="accent1">
+              <a:shade val="50000"/>
+            </a:schemeClr>
+          </a:lnRef>
+          <a:fillRef idx="1">
+            <a:schemeClr val="accent1"/>
+          </a:fillRef>
+          <a:effectRef idx="0">
+            <a:schemeClr val="accent1"/>
+          </a:effectRef>
+          <a:fontRef idx="minor">
+            <a:schemeClr val="lt1"/>
+          </a:fontRef>
+        </p:style>
+        <p:txBody>
+          <a:bodyPr rtlCol="0" anchor="ctr"/>
+          <a:lstStyle/>
+          <a:p>
+            <a:pPr algn="ctr"/>
+            <a:endParaRPr kumimoji="1" lang="zh-TW" altLang="en-US"/>
+          </a:p>
+        </p:txBody>
+      </p:sp>
+      <p:sp>
+        <p:nvSpPr>
+          <p:cNvPr id="40" name="橢圓 39">
+            <a:extLst>
+              <a:ext uri="{FF2B5EF4-FFF2-40B4-BE49-F238E27FC236}">
+                <a16:creationId xmlns:a16="http://schemas.microsoft.com/office/drawing/2014/main" id="{6BCD8635-2BF2-41FC-33AD-C5E3F78EB28A}"/>
+              </a:ext>
+            </a:extLst>
+          </p:cNvPr>
+          <p:cNvSpPr/>
+          <p:nvPr/>
+        </p:nvSpPr>
+        <p:spPr>
+          <a:xfrm>
+            <a:off x="9111708" y="7894070"/>
+            <a:ext cx="359228" cy="348343"/>
+          </a:xfrm>
+          <a:prstGeom prst="ellipse">
+            <a:avLst/>
+          </a:prstGeom>
+          <a:solidFill>
+            <a:schemeClr val="accent2">
+              <a:alpha val="50196"/>
+            </a:schemeClr>
+          </a:solidFill>
+          <a:ln w="38100">
+            <a:solidFill>
+              <a:schemeClr val="accent2"/>
+            </a:solidFill>
+          </a:ln>
+        </p:spPr>
+        <p:style>
+          <a:lnRef idx="2">
+            <a:schemeClr val="accent1">
+              <a:shade val="50000"/>
+            </a:schemeClr>
+          </a:lnRef>
+          <a:fillRef idx="1">
+            <a:schemeClr val="accent1"/>
+          </a:fillRef>
+          <a:effectRef idx="0">
+            <a:schemeClr val="accent1"/>
+          </a:effectRef>
+          <a:fontRef idx="minor">
+            <a:schemeClr val="lt1"/>
+          </a:fontRef>
+        </p:style>
+        <p:txBody>
+          <a:bodyPr rtlCol="0" anchor="ctr"/>
+          <a:lstStyle/>
+          <a:p>
+            <a:pPr algn="ctr"/>
+            <a:endParaRPr kumimoji="1" lang="zh-TW" altLang="en-US"/>
+          </a:p>
+        </p:txBody>
+      </p:sp>
+      <p:sp>
+        <p:nvSpPr>
+          <p:cNvPr id="41" name="橢圓 40">
+            <a:extLst>
+              <a:ext uri="{FF2B5EF4-FFF2-40B4-BE49-F238E27FC236}">
+                <a16:creationId xmlns:a16="http://schemas.microsoft.com/office/drawing/2014/main" id="{AF16F7E8-5F99-6B4C-EA02-2B1936FBA2AF}"/>
+              </a:ext>
+            </a:extLst>
+          </p:cNvPr>
+          <p:cNvSpPr/>
+          <p:nvPr/>
+        </p:nvSpPr>
+        <p:spPr>
+          <a:xfrm>
+            <a:off x="13907107" y="9654258"/>
+            <a:ext cx="359228" cy="348343"/>
+          </a:xfrm>
+          <a:prstGeom prst="ellipse">
+            <a:avLst/>
+          </a:prstGeom>
+          <a:solidFill>
+            <a:schemeClr val="accent2">
+              <a:alpha val="50196"/>
+            </a:schemeClr>
+          </a:solidFill>
+          <a:ln w="38100">
+            <a:solidFill>
+              <a:schemeClr val="accent2"/>
+            </a:solidFill>
+          </a:ln>
+        </p:spPr>
+        <p:style>
+          <a:lnRef idx="2">
+            <a:schemeClr val="accent1">
+              <a:shade val="50000"/>
+            </a:schemeClr>
+          </a:lnRef>
+          <a:fillRef idx="1">
+            <a:schemeClr val="accent1"/>
+          </a:fillRef>
+          <a:effectRef idx="0">
+            <a:schemeClr val="accent1"/>
+          </a:effectRef>
+          <a:fontRef idx="minor">
+            <a:schemeClr val="lt1"/>
+          </a:fontRef>
+        </p:style>
+        <p:txBody>
+          <a:bodyPr rtlCol="0" anchor="ctr"/>
+          <a:lstStyle/>
+          <a:p>
+            <a:pPr algn="ctr"/>
+            <a:endParaRPr kumimoji="1" lang="zh-TW" altLang="en-US"/>
+          </a:p>
+        </p:txBody>
+      </p:sp>
+      <p:sp>
+        <p:nvSpPr>
+          <p:cNvPr id="42" name="橢圓 41">
+            <a:extLst>
+              <a:ext uri="{FF2B5EF4-FFF2-40B4-BE49-F238E27FC236}">
+                <a16:creationId xmlns:a16="http://schemas.microsoft.com/office/drawing/2014/main" id="{2E7B8E04-EBCF-91E3-ADFB-E0630DC9CA5E}"/>
+              </a:ext>
+            </a:extLst>
+          </p:cNvPr>
+          <p:cNvSpPr/>
+          <p:nvPr/>
+        </p:nvSpPr>
+        <p:spPr>
+          <a:xfrm>
+            <a:off x="11972427" y="10097866"/>
+            <a:ext cx="359228" cy="348343"/>
+          </a:xfrm>
+          <a:prstGeom prst="ellipse">
+            <a:avLst/>
+          </a:prstGeom>
+          <a:solidFill>
+            <a:schemeClr val="accent2">
+              <a:alpha val="50196"/>
+            </a:schemeClr>
+          </a:solidFill>
+          <a:ln w="38100">
+            <a:solidFill>
+              <a:schemeClr val="accent2"/>
+            </a:solidFill>
+          </a:ln>
+        </p:spPr>
+        <p:style>
+          <a:lnRef idx="2">
+            <a:schemeClr val="accent1">
+              <a:shade val="50000"/>
+            </a:schemeClr>
+          </a:lnRef>
+          <a:fillRef idx="1">
+            <a:schemeClr val="accent1"/>
+          </a:fillRef>
+          <a:effectRef idx="0">
+            <a:schemeClr val="accent1"/>
+          </a:effectRef>
+          <a:fontRef idx="minor">
+            <a:schemeClr val="lt1"/>
+          </a:fontRef>
+        </p:style>
+        <p:txBody>
+          <a:bodyPr rtlCol="0" anchor="ctr"/>
+          <a:lstStyle/>
+          <a:p>
+            <a:pPr algn="ctr"/>
+            <a:endParaRPr kumimoji="1" lang="zh-TW" altLang="en-US"/>
+          </a:p>
+        </p:txBody>
+      </p:sp>
+      <p:sp>
+        <p:nvSpPr>
+          <p:cNvPr id="43" name="橢圓 42">
+            <a:extLst>
+              <a:ext uri="{FF2B5EF4-FFF2-40B4-BE49-F238E27FC236}">
+                <a16:creationId xmlns:a16="http://schemas.microsoft.com/office/drawing/2014/main" id="{B4B65D11-406A-F995-E990-374C8632E0B5}"/>
+              </a:ext>
+            </a:extLst>
+          </p:cNvPr>
+          <p:cNvSpPr/>
+          <p:nvPr/>
+        </p:nvSpPr>
+        <p:spPr>
+          <a:xfrm>
+            <a:off x="8374300" y="8916173"/>
+            <a:ext cx="359228" cy="348343"/>
+          </a:xfrm>
+          <a:prstGeom prst="ellipse">
+            <a:avLst/>
+          </a:prstGeom>
+          <a:solidFill>
+            <a:schemeClr val="accent2">
+              <a:alpha val="50196"/>
+            </a:schemeClr>
+          </a:solidFill>
+          <a:ln w="38100">
+            <a:solidFill>
+              <a:schemeClr val="accent2"/>
+            </a:solidFill>
+          </a:ln>
+        </p:spPr>
+        <p:style>
+          <a:lnRef idx="2">
+            <a:schemeClr val="accent1">
+              <a:shade val="50000"/>
+            </a:schemeClr>
+          </a:lnRef>
+          <a:fillRef idx="1">
+            <a:schemeClr val="accent1"/>
+          </a:fillRef>
+          <a:effectRef idx="0">
+            <a:schemeClr val="accent1"/>
+          </a:effectRef>
+          <a:fontRef idx="minor">
+            <a:schemeClr val="lt1"/>
+          </a:fontRef>
+        </p:style>
+        <p:txBody>
+          <a:bodyPr rtlCol="0" anchor="ctr"/>
+          <a:lstStyle/>
+          <a:p>
+            <a:pPr algn="ctr"/>
+            <a:endParaRPr kumimoji="1" lang="zh-TW" altLang="en-US"/>
+          </a:p>
+        </p:txBody>
+      </p:sp>
+      <p:sp>
+        <p:nvSpPr>
+          <p:cNvPr id="44" name="橢圓 43">
+            <a:extLst>
+              <a:ext uri="{FF2B5EF4-FFF2-40B4-BE49-F238E27FC236}">
+                <a16:creationId xmlns:a16="http://schemas.microsoft.com/office/drawing/2014/main" id="{C9937610-1121-6129-515B-60EE18824808}"/>
+              </a:ext>
+            </a:extLst>
+          </p:cNvPr>
+          <p:cNvSpPr/>
+          <p:nvPr/>
+        </p:nvSpPr>
+        <p:spPr>
+          <a:xfrm>
+            <a:off x="8598416" y="10039487"/>
+            <a:ext cx="359228" cy="348343"/>
+          </a:xfrm>
+          <a:prstGeom prst="ellipse">
+            <a:avLst/>
+          </a:prstGeom>
+          <a:solidFill>
+            <a:schemeClr val="accent2">
+              <a:alpha val="50196"/>
+            </a:schemeClr>
+          </a:solidFill>
+          <a:ln w="38100">
+            <a:solidFill>
+              <a:schemeClr val="accent2"/>
+            </a:solidFill>
+          </a:ln>
+        </p:spPr>
+        <p:style>
+          <a:lnRef idx="2">
+            <a:schemeClr val="accent1">
+              <a:shade val="50000"/>
+            </a:schemeClr>
+          </a:lnRef>
+          <a:fillRef idx="1">
+            <a:schemeClr val="accent1"/>
+          </a:fillRef>
+          <a:effectRef idx="0">
+            <a:schemeClr val="accent1"/>
+          </a:effectRef>
+          <a:fontRef idx="minor">
+            <a:schemeClr val="lt1"/>
+          </a:fontRef>
+        </p:style>
+        <p:txBody>
+          <a:bodyPr rtlCol="0" anchor="ctr"/>
+          <a:lstStyle/>
+          <a:p>
+            <a:pPr algn="ctr"/>
+            <a:endParaRPr kumimoji="1" lang="zh-TW" altLang="en-US"/>
+          </a:p>
+        </p:txBody>
+      </p:sp>
+      <p:sp>
+        <p:nvSpPr>
+          <p:cNvPr id="46" name="橢圓 45">
+            <a:extLst>
+              <a:ext uri="{FF2B5EF4-FFF2-40B4-BE49-F238E27FC236}">
+                <a16:creationId xmlns:a16="http://schemas.microsoft.com/office/drawing/2014/main" id="{24099190-48A2-AF6A-FBD1-E93BA31974A6}"/>
+              </a:ext>
+            </a:extLst>
+          </p:cNvPr>
+          <p:cNvSpPr/>
+          <p:nvPr/>
+        </p:nvSpPr>
+        <p:spPr>
+          <a:xfrm>
+            <a:off x="13506929" y="7894071"/>
+            <a:ext cx="359228" cy="348343"/>
+          </a:xfrm>
+          <a:prstGeom prst="ellipse">
+            <a:avLst/>
+          </a:prstGeom>
+          <a:solidFill>
+            <a:schemeClr val="accent2">
+              <a:alpha val="50196"/>
+            </a:schemeClr>
+          </a:solidFill>
+          <a:ln w="38100">
+            <a:solidFill>
+              <a:schemeClr val="accent2"/>
+            </a:solidFill>
+          </a:ln>
+        </p:spPr>
+        <p:style>
+          <a:lnRef idx="2">
+            <a:schemeClr val="accent1">
+              <a:shade val="50000"/>
+            </a:schemeClr>
+          </a:lnRef>
+          <a:fillRef idx="1">
+            <a:schemeClr val="accent1"/>
+          </a:fillRef>
+          <a:effectRef idx="0">
+            <a:schemeClr val="accent1"/>
+          </a:effectRef>
+          <a:fontRef idx="minor">
+            <a:schemeClr val="lt1"/>
+          </a:fontRef>
+        </p:style>
+        <p:txBody>
+          <a:bodyPr rtlCol="0" anchor="ctr"/>
+          <a:lstStyle/>
+          <a:p>
+            <a:pPr algn="ctr"/>
+            <a:endParaRPr kumimoji="1" lang="zh-TW" altLang="en-US"/>
+          </a:p>
+        </p:txBody>
+      </p:sp>
+      <p:sp>
+        <p:nvSpPr>
+          <p:cNvPr id="47" name="橢圓 46">
+            <a:extLst>
+              <a:ext uri="{FF2B5EF4-FFF2-40B4-BE49-F238E27FC236}">
+                <a16:creationId xmlns:a16="http://schemas.microsoft.com/office/drawing/2014/main" id="{AA373F06-71F3-5D41-95FF-D535AA23E947}"/>
+              </a:ext>
+            </a:extLst>
+          </p:cNvPr>
+          <p:cNvSpPr/>
+          <p:nvPr/>
+        </p:nvSpPr>
+        <p:spPr>
+          <a:xfrm>
+            <a:off x="14049592" y="7895525"/>
+            <a:ext cx="359228" cy="348343"/>
+          </a:xfrm>
+          <a:prstGeom prst="ellipse">
+            <a:avLst/>
+          </a:prstGeom>
+          <a:solidFill>
+            <a:schemeClr val="accent2">
+              <a:alpha val="50196"/>
+            </a:schemeClr>
+          </a:solidFill>
+          <a:ln w="38100">
+            <a:solidFill>
+              <a:schemeClr val="accent2"/>
+            </a:solidFill>
+          </a:ln>
+        </p:spPr>
+        <p:style>
+          <a:lnRef idx="2">
+            <a:schemeClr val="accent1">
+              <a:shade val="50000"/>
+            </a:schemeClr>
+          </a:lnRef>
+          <a:fillRef idx="1">
+            <a:schemeClr val="accent1"/>
+          </a:fillRef>
+          <a:effectRef idx="0">
+            <a:schemeClr val="accent1"/>
+          </a:effectRef>
+          <a:fontRef idx="minor">
+            <a:schemeClr val="lt1"/>
+          </a:fontRef>
+        </p:style>
+        <p:txBody>
+          <a:bodyPr rtlCol="0" anchor="ctr"/>
+          <a:lstStyle/>
+          <a:p>
+            <a:pPr algn="ctr"/>
+            <a:endParaRPr kumimoji="1" lang="zh-TW" altLang="en-US"/>
+          </a:p>
+        </p:txBody>
+      </p:sp>
+      <p:sp>
+        <p:nvSpPr>
+          <p:cNvPr id="48" name="橢圓 47">
+            <a:extLst>
+              <a:ext uri="{FF2B5EF4-FFF2-40B4-BE49-F238E27FC236}">
+                <a16:creationId xmlns:a16="http://schemas.microsoft.com/office/drawing/2014/main" id="{CCDF3366-ECBC-65F0-B46D-F0AB36A6E12C}"/>
+              </a:ext>
+            </a:extLst>
+          </p:cNvPr>
+          <p:cNvSpPr/>
+          <p:nvPr/>
+        </p:nvSpPr>
+        <p:spPr>
+          <a:xfrm>
+            <a:off x="10375551" y="2677101"/>
+            <a:ext cx="359228" cy="348343"/>
+          </a:xfrm>
+          <a:prstGeom prst="ellipse">
+            <a:avLst/>
+          </a:prstGeom>
+          <a:solidFill>
+            <a:schemeClr val="accent2">
+              <a:alpha val="50196"/>
+            </a:schemeClr>
+          </a:solidFill>
+          <a:ln w="38100">
+            <a:solidFill>
+              <a:schemeClr val="accent2"/>
+            </a:solidFill>
+          </a:ln>
+        </p:spPr>
+        <p:style>
+          <a:lnRef idx="2">
+            <a:schemeClr val="accent1">
+              <a:shade val="50000"/>
+            </a:schemeClr>
+          </a:lnRef>
+          <a:fillRef idx="1">
+            <a:schemeClr val="accent1"/>
+          </a:fillRef>
+          <a:effectRef idx="0">
+            <a:schemeClr val="accent1"/>
+          </a:effectRef>
+          <a:fontRef idx="minor">
+            <a:schemeClr val="lt1"/>
+          </a:fontRef>
+        </p:style>
+        <p:txBody>
+          <a:bodyPr rtlCol="0" anchor="ctr"/>
+          <a:lstStyle/>
+          <a:p>
+            <a:pPr algn="ctr"/>
+            <a:endParaRPr kumimoji="1" lang="zh-TW" altLang="en-US"/>
+          </a:p>
+        </p:txBody>
+      </p:sp>
+      <p:sp>
+        <p:nvSpPr>
+          <p:cNvPr id="49" name="橢圓 48">
+            <a:extLst>
+              <a:ext uri="{FF2B5EF4-FFF2-40B4-BE49-F238E27FC236}">
+                <a16:creationId xmlns:a16="http://schemas.microsoft.com/office/drawing/2014/main" id="{FAE36C8C-8AAD-6F64-E05A-B5ED7E55DA0F}"/>
+              </a:ext>
+            </a:extLst>
+          </p:cNvPr>
+          <p:cNvSpPr/>
+          <p:nvPr/>
+        </p:nvSpPr>
+        <p:spPr>
+          <a:xfrm>
+            <a:off x="10750180" y="4410740"/>
+            <a:ext cx="359228" cy="348343"/>
+          </a:xfrm>
+          <a:prstGeom prst="ellipse">
+            <a:avLst/>
+          </a:prstGeom>
+          <a:solidFill>
+            <a:schemeClr val="accent2">
+              <a:alpha val="50196"/>
+            </a:schemeClr>
+          </a:solidFill>
+          <a:ln w="38100">
+            <a:solidFill>
+              <a:schemeClr val="accent2"/>
+            </a:solidFill>
+          </a:ln>
+        </p:spPr>
+        <p:style>
+          <a:lnRef idx="2">
+            <a:schemeClr val="accent1">
+              <a:shade val="50000"/>
+            </a:schemeClr>
+          </a:lnRef>
+          <a:fillRef idx="1">
+            <a:schemeClr val="accent1"/>
+          </a:fillRef>
+          <a:effectRef idx="0">
+            <a:schemeClr val="accent1"/>
+          </a:effectRef>
+          <a:fontRef idx="minor">
+            <a:schemeClr val="lt1"/>
+          </a:fontRef>
+        </p:style>
+        <p:txBody>
+          <a:bodyPr rtlCol="0" anchor="ctr"/>
+          <a:lstStyle/>
+          <a:p>
+            <a:pPr algn="ctr"/>
+            <a:endParaRPr kumimoji="1" lang="zh-TW" altLang="en-US"/>
+          </a:p>
+        </p:txBody>
+      </p:sp>
+      <p:sp>
+        <p:nvSpPr>
+          <p:cNvPr id="50" name="橢圓 49">
+            <a:extLst>
+              <a:ext uri="{FF2B5EF4-FFF2-40B4-BE49-F238E27FC236}">
+                <a16:creationId xmlns:a16="http://schemas.microsoft.com/office/drawing/2014/main" id="{5F85A4CB-3548-43A9-3B0F-0D83D72925F9}"/>
+              </a:ext>
+            </a:extLst>
+          </p:cNvPr>
+          <p:cNvSpPr/>
+          <p:nvPr/>
+        </p:nvSpPr>
+        <p:spPr>
+          <a:xfrm>
+            <a:off x="14656399" y="7881256"/>
+            <a:ext cx="359228" cy="348343"/>
+          </a:xfrm>
+          <a:prstGeom prst="ellipse">
+            <a:avLst/>
+          </a:prstGeom>
+          <a:solidFill>
+            <a:schemeClr val="accent2">
+              <a:alpha val="50196"/>
+            </a:schemeClr>
+          </a:solidFill>
+          <a:ln w="38100">
+            <a:solidFill>
+              <a:schemeClr val="accent2"/>
+            </a:solidFill>
+          </a:ln>
+        </p:spPr>
+        <p:style>
+          <a:lnRef idx="2">
+            <a:schemeClr val="accent1">
+              <a:shade val="50000"/>
+            </a:schemeClr>
+          </a:lnRef>
+          <a:fillRef idx="1">
+            <a:schemeClr val="accent1"/>
+          </a:fillRef>
+          <a:effectRef idx="0">
+            <a:schemeClr val="accent1"/>
+          </a:effectRef>
+          <a:fontRef idx="minor">
+            <a:schemeClr val="lt1"/>
+          </a:fontRef>
+        </p:style>
+        <p:txBody>
+          <a:bodyPr rtlCol="0" anchor="ctr"/>
+          <a:lstStyle/>
+          <a:p>
+            <a:pPr algn="ctr"/>
+            <a:endParaRPr kumimoji="1" lang="zh-TW" altLang="en-US"/>
+          </a:p>
+        </p:txBody>
+      </p:sp>
+      <p:sp>
+        <p:nvSpPr>
+          <p:cNvPr id="51" name="橢圓 50">
+            <a:extLst>
+              <a:ext uri="{FF2B5EF4-FFF2-40B4-BE49-F238E27FC236}">
+                <a16:creationId xmlns:a16="http://schemas.microsoft.com/office/drawing/2014/main" id="{CE40EE99-5BFE-31D7-AE5E-016E3B5325DB}"/>
+              </a:ext>
+            </a:extLst>
+          </p:cNvPr>
+          <p:cNvSpPr/>
+          <p:nvPr/>
+        </p:nvSpPr>
+        <p:spPr>
+          <a:xfrm>
+            <a:off x="11825022" y="7884471"/>
+            <a:ext cx="359228" cy="348343"/>
+          </a:xfrm>
+          <a:prstGeom prst="ellipse">
+            <a:avLst/>
+          </a:prstGeom>
+          <a:solidFill>
+            <a:schemeClr val="accent2">
+              <a:alpha val="50196"/>
+            </a:schemeClr>
+          </a:solidFill>
+          <a:ln w="38100">
+            <a:solidFill>
+              <a:schemeClr val="accent2"/>
+            </a:solidFill>
+          </a:ln>
+        </p:spPr>
+        <p:style>
+          <a:lnRef idx="2">
+            <a:schemeClr val="accent1">
+              <a:shade val="50000"/>
+            </a:schemeClr>
+          </a:lnRef>
+          <a:fillRef idx="1">
+            <a:schemeClr val="accent1"/>
+          </a:fillRef>
+          <a:effectRef idx="0">
+            <a:schemeClr val="accent1"/>
+          </a:effectRef>
+          <a:fontRef idx="minor">
+            <a:schemeClr val="lt1"/>
+          </a:fontRef>
+        </p:style>
+        <p:txBody>
+          <a:bodyPr rtlCol="0" anchor="ctr"/>
+          <a:lstStyle/>
+          <a:p>
+            <a:pPr algn="ctr"/>
+            <a:endParaRPr kumimoji="1" lang="zh-TW" altLang="en-US"/>
+          </a:p>
+        </p:txBody>
+      </p:sp>
+      <p:sp>
+        <p:nvSpPr>
+          <p:cNvPr id="52" name="橢圓 51">
+            <a:extLst>
+              <a:ext uri="{FF2B5EF4-FFF2-40B4-BE49-F238E27FC236}">
+                <a16:creationId xmlns:a16="http://schemas.microsoft.com/office/drawing/2014/main" id="{1CD37F0D-E0FC-702B-890D-99EAAF9F3C04}"/>
+              </a:ext>
+            </a:extLst>
+          </p:cNvPr>
+          <p:cNvSpPr/>
+          <p:nvPr/>
+        </p:nvSpPr>
+        <p:spPr>
+          <a:xfrm>
+            <a:off x="14500300" y="4781789"/>
+            <a:ext cx="359228" cy="348343"/>
+          </a:xfrm>
+          <a:prstGeom prst="ellipse">
+            <a:avLst/>
+          </a:prstGeom>
+          <a:solidFill>
+            <a:schemeClr val="accent2">
+              <a:alpha val="50196"/>
+            </a:schemeClr>
+          </a:solidFill>
+          <a:ln w="38100">
+            <a:solidFill>
+              <a:schemeClr val="accent2"/>
+            </a:solidFill>
+          </a:ln>
+        </p:spPr>
+        <p:style>
+          <a:lnRef idx="2">
+            <a:schemeClr val="accent1">
+              <a:shade val="50000"/>
+            </a:schemeClr>
+          </a:lnRef>
+          <a:fillRef idx="1">
+            <a:schemeClr val="accent1"/>
+          </a:fillRef>
+          <a:effectRef idx="0">
+            <a:schemeClr val="accent1"/>
+          </a:effectRef>
+          <a:fontRef idx="minor">
+            <a:schemeClr val="lt1"/>
+          </a:fontRef>
+        </p:style>
+        <p:txBody>
+          <a:bodyPr rtlCol="0" anchor="ctr"/>
+          <a:lstStyle/>
+          <a:p>
+            <a:pPr algn="ctr"/>
+            <a:endParaRPr kumimoji="1" lang="zh-TW" altLang="en-US"/>
+          </a:p>
+        </p:txBody>
+      </p:sp>
+      <p:sp>
+        <p:nvSpPr>
+          <p:cNvPr id="53" name="橢圓 52">
+            <a:extLst>
+              <a:ext uri="{FF2B5EF4-FFF2-40B4-BE49-F238E27FC236}">
+                <a16:creationId xmlns:a16="http://schemas.microsoft.com/office/drawing/2014/main" id="{BA746CB4-DDED-9146-DFA7-D1B036688BD6}"/>
+              </a:ext>
+            </a:extLst>
+          </p:cNvPr>
+          <p:cNvSpPr/>
+          <p:nvPr/>
+        </p:nvSpPr>
+        <p:spPr>
+          <a:xfrm>
+            <a:off x="11645408" y="11204564"/>
+            <a:ext cx="359228" cy="348343"/>
+          </a:xfrm>
+          <a:prstGeom prst="ellipse">
+            <a:avLst/>
+          </a:prstGeom>
+          <a:solidFill>
+            <a:schemeClr val="accent2">
+              <a:alpha val="50196"/>
+            </a:schemeClr>
+          </a:solidFill>
+          <a:ln w="38100">
+            <a:solidFill>
+              <a:schemeClr val="accent2"/>
+            </a:solidFill>
+          </a:ln>
+        </p:spPr>
+        <p:style>
+          <a:lnRef idx="2">
+            <a:schemeClr val="accent1">
+              <a:shade val="50000"/>
+            </a:schemeClr>
+          </a:lnRef>
+          <a:fillRef idx="1">
+            <a:schemeClr val="accent1"/>
+          </a:fillRef>
+          <a:effectRef idx="0">
+            <a:schemeClr val="accent1"/>
+          </a:effectRef>
+          <a:fontRef idx="minor">
+            <a:schemeClr val="lt1"/>
+          </a:fontRef>
+        </p:style>
+        <p:txBody>
+          <a:bodyPr rtlCol="0" anchor="ctr"/>
+          <a:lstStyle/>
+          <a:p>
+            <a:pPr algn="ctr"/>
+            <a:endParaRPr kumimoji="1" lang="zh-TW" altLang="en-US"/>
+          </a:p>
+        </p:txBody>
+      </p:sp>
+      <p:sp>
+        <p:nvSpPr>
+          <p:cNvPr id="54" name="橢圓 53">
+            <a:extLst>
+              <a:ext uri="{FF2B5EF4-FFF2-40B4-BE49-F238E27FC236}">
+                <a16:creationId xmlns:a16="http://schemas.microsoft.com/office/drawing/2014/main" id="{5123FA60-DFAB-E30D-D33B-238C3CF3BCBB}"/>
+              </a:ext>
+            </a:extLst>
+          </p:cNvPr>
+          <p:cNvSpPr/>
+          <p:nvPr/>
+        </p:nvSpPr>
+        <p:spPr>
+          <a:xfrm>
+            <a:off x="11720487" y="8816996"/>
+            <a:ext cx="359228" cy="348343"/>
+          </a:xfrm>
+          <a:prstGeom prst="ellipse">
+            <a:avLst/>
+          </a:prstGeom>
+          <a:solidFill>
+            <a:schemeClr val="accent2">
+              <a:alpha val="50196"/>
+            </a:schemeClr>
+          </a:solidFill>
+          <a:ln w="38100">
+            <a:solidFill>
+              <a:schemeClr val="accent2"/>
+            </a:solidFill>
+          </a:ln>
+        </p:spPr>
+        <p:style>
+          <a:lnRef idx="2">
+            <a:schemeClr val="accent1">
+              <a:shade val="50000"/>
+            </a:schemeClr>
+          </a:lnRef>
+          <a:fillRef idx="1">
+            <a:schemeClr val="accent1"/>
+          </a:fillRef>
+          <a:effectRef idx="0">
+            <a:schemeClr val="accent1"/>
+          </a:effectRef>
+          <a:fontRef idx="minor">
+            <a:schemeClr val="lt1"/>
+          </a:fontRef>
+        </p:style>
+        <p:txBody>
+          <a:bodyPr rtlCol="0" anchor="ctr"/>
+          <a:lstStyle/>
+          <a:p>
+            <a:pPr algn="ctr"/>
+            <a:endParaRPr kumimoji="1" lang="zh-TW" altLang="en-US"/>
+          </a:p>
+        </p:txBody>
+      </p:sp>
+      <p:sp>
+        <p:nvSpPr>
+          <p:cNvPr id="55" name="橢圓 54">
+            <a:extLst>
+              <a:ext uri="{FF2B5EF4-FFF2-40B4-BE49-F238E27FC236}">
+                <a16:creationId xmlns:a16="http://schemas.microsoft.com/office/drawing/2014/main" id="{A52F2BBD-C380-637D-092A-0A9B47FF11BD}"/>
+              </a:ext>
+            </a:extLst>
+          </p:cNvPr>
+          <p:cNvSpPr/>
+          <p:nvPr/>
+        </p:nvSpPr>
+        <p:spPr>
+          <a:xfrm>
+            <a:off x="10016323" y="7391243"/>
+            <a:ext cx="359228" cy="348343"/>
+          </a:xfrm>
+          <a:prstGeom prst="ellipse">
+            <a:avLst/>
+          </a:prstGeom>
+          <a:solidFill>
+            <a:schemeClr val="accent2">
+              <a:alpha val="50196"/>
+            </a:schemeClr>
+          </a:solidFill>
+          <a:ln w="38100">
+            <a:solidFill>
+              <a:schemeClr val="accent2"/>
+            </a:solidFill>
+          </a:ln>
+        </p:spPr>
+        <p:style>
+          <a:lnRef idx="2">
+            <a:schemeClr val="accent1">
+              <a:shade val="50000"/>
+            </a:schemeClr>
+          </a:lnRef>
+          <a:fillRef idx="1">
+            <a:schemeClr val="accent1"/>
+          </a:fillRef>
+          <a:effectRef idx="0">
+            <a:schemeClr val="accent1"/>
+          </a:effectRef>
+          <a:fontRef idx="minor">
+            <a:schemeClr val="lt1"/>
+          </a:fontRef>
+        </p:style>
+        <p:txBody>
+          <a:bodyPr rtlCol="0" anchor="ctr"/>
+          <a:lstStyle/>
+          <a:p>
+            <a:pPr algn="ctr"/>
+            <a:endParaRPr kumimoji="1" lang="zh-TW" altLang="en-US"/>
+          </a:p>
+        </p:txBody>
+      </p:sp>
+      <p:sp>
+        <p:nvSpPr>
+          <p:cNvPr id="56" name="橢圓 55">
+            <a:extLst>
+              <a:ext uri="{FF2B5EF4-FFF2-40B4-BE49-F238E27FC236}">
+                <a16:creationId xmlns:a16="http://schemas.microsoft.com/office/drawing/2014/main" id="{D78BB83B-1E16-AC77-46AB-81DB7656B693}"/>
+              </a:ext>
+            </a:extLst>
+          </p:cNvPr>
+          <p:cNvSpPr/>
+          <p:nvPr/>
+        </p:nvSpPr>
+        <p:spPr>
+          <a:xfrm>
+            <a:off x="15024811" y="4801040"/>
+            <a:ext cx="359228" cy="348343"/>
+          </a:xfrm>
+          <a:prstGeom prst="ellipse">
+            <a:avLst/>
+          </a:prstGeom>
+          <a:solidFill>
+            <a:schemeClr val="accent2">
+              <a:alpha val="50196"/>
+            </a:schemeClr>
+          </a:solidFill>
+          <a:ln w="38100">
+            <a:solidFill>
+              <a:schemeClr val="accent2"/>
+            </a:solidFill>
+          </a:ln>
+        </p:spPr>
+        <p:style>
+          <a:lnRef idx="2">
+            <a:schemeClr val="accent1">
+              <a:shade val="50000"/>
+            </a:schemeClr>
+          </a:lnRef>
+          <a:fillRef idx="1">
+            <a:schemeClr val="accent1"/>
+          </a:fillRef>
+          <a:effectRef idx="0">
+            <a:schemeClr val="accent1"/>
+          </a:effectRef>
+          <a:fontRef idx="minor">
+            <a:schemeClr val="lt1"/>
+          </a:fontRef>
+        </p:style>
+        <p:txBody>
+          <a:bodyPr rtlCol="0" anchor="ctr"/>
+          <a:lstStyle/>
+          <a:p>
+            <a:pPr algn="ctr"/>
+            <a:endParaRPr kumimoji="1" lang="zh-TW" altLang="en-US"/>
+          </a:p>
+        </p:txBody>
+      </p:sp>
+      <p:sp>
+        <p:nvSpPr>
+          <p:cNvPr id="57" name="橢圓 56">
+            <a:extLst>
+              <a:ext uri="{FF2B5EF4-FFF2-40B4-BE49-F238E27FC236}">
+                <a16:creationId xmlns:a16="http://schemas.microsoft.com/office/drawing/2014/main" id="{28EC4AC5-E17F-B673-7579-2864F2EAA64B}"/>
+              </a:ext>
+            </a:extLst>
+          </p:cNvPr>
+          <p:cNvSpPr/>
+          <p:nvPr/>
+        </p:nvSpPr>
+        <p:spPr>
+          <a:xfrm>
+            <a:off x="12837929" y="5849286"/>
+            <a:ext cx="359228" cy="348343"/>
+          </a:xfrm>
+          <a:prstGeom prst="ellipse">
+            <a:avLst/>
+          </a:prstGeom>
+          <a:solidFill>
+            <a:schemeClr val="accent2">
+              <a:alpha val="50196"/>
+            </a:schemeClr>
+          </a:solidFill>
+          <a:ln w="38100">
+            <a:solidFill>
+              <a:schemeClr val="accent2"/>
+            </a:solidFill>
+          </a:ln>
+        </p:spPr>
+        <p:style>
+          <a:lnRef idx="2">
+            <a:schemeClr val="accent1">
+              <a:shade val="50000"/>
+            </a:schemeClr>
+          </a:lnRef>
+          <a:fillRef idx="1">
+            <a:schemeClr val="accent1"/>
+          </a:fillRef>
+          <a:effectRef idx="0">
+            <a:schemeClr val="accent1"/>
+          </a:effectRef>
+          <a:fontRef idx="minor">
+            <a:schemeClr val="lt1"/>
+          </a:fontRef>
+        </p:style>
+        <p:txBody>
+          <a:bodyPr rtlCol="0" anchor="ctr"/>
+          <a:lstStyle/>
+          <a:p>
+            <a:pPr algn="ctr"/>
+            <a:endParaRPr kumimoji="1" lang="zh-TW" altLang="en-US"/>
+          </a:p>
+        </p:txBody>
+      </p:sp>
+      <p:sp>
+        <p:nvSpPr>
+          <p:cNvPr id="58" name="文字方塊 57">
+            <a:extLst>
+              <a:ext uri="{FF2B5EF4-FFF2-40B4-BE49-F238E27FC236}">
+                <a16:creationId xmlns:a16="http://schemas.microsoft.com/office/drawing/2014/main" id="{D4A34FF7-F755-7013-7544-F33B2314E5DC}"/>
+              </a:ext>
+            </a:extLst>
+          </p:cNvPr>
+          <p:cNvSpPr txBox="1"/>
+          <p:nvPr/>
+        </p:nvSpPr>
+        <p:spPr>
+          <a:xfrm>
+            <a:off x="17627600" y="4280298"/>
+            <a:ext cx="2601994" cy="1477328"/>
+          </a:xfrm>
+          <a:prstGeom prst="rect">
+            <a:avLst/>
+          </a:prstGeom>
+          <a:noFill/>
+        </p:spPr>
+        <p:txBody>
+          <a:bodyPr wrap="none" rtlCol="0">
+            <a:spAutoFit/>
+          </a:bodyPr>
+          <a:lstStyle/>
+          <a:p>
+            <a:r>
+              <a:rPr kumimoji="1" lang="en-US" altLang="zh-TW" dirty="0">
+                <a:solidFill>
+                  <a:schemeClr val="accent1"/>
+                </a:solidFill>
+                <a:latin typeface="Microsoft JhengHei" panose="020B0604030504040204" pitchFamily="34" charset="-120"/>
+                <a:ea typeface="Microsoft JhengHei" panose="020B0604030504040204" pitchFamily="34" charset="-120"/>
+              </a:rPr>
+              <a:t>1</a:t>
+            </a:r>
+          </a:p>
+          <a:p>
+            <a:r>
+              <a:rPr kumimoji="1" lang="zh-TW" altLang="en-US" dirty="0">
+                <a:solidFill>
+                  <a:schemeClr val="accent1"/>
+                </a:solidFill>
+                <a:latin typeface="Microsoft JhengHei" panose="020B0604030504040204" pitchFamily="34" charset="-120"/>
+                <a:ea typeface="Microsoft JhengHei" panose="020B0604030504040204" pitchFamily="34" charset="-120"/>
+              </a:rPr>
+              <a:t>劍南路</a:t>
+            </a:r>
+            <a:r>
+              <a:rPr kumimoji="1" lang="en-US" altLang="zh-TW" dirty="0">
+                <a:solidFill>
+                  <a:schemeClr val="accent1"/>
+                </a:solidFill>
+                <a:latin typeface="Microsoft JhengHei" panose="020B0604030504040204" pitchFamily="34" charset="-120"/>
+                <a:ea typeface="Microsoft JhengHei" panose="020B0604030504040204" pitchFamily="34" charset="-120"/>
+              </a:rPr>
+              <a:t>&gt;&gt;</a:t>
+            </a:r>
+            <a:r>
+              <a:rPr kumimoji="1" lang="zh-TW" altLang="en-US" dirty="0">
+                <a:solidFill>
+                  <a:schemeClr val="accent1"/>
+                </a:solidFill>
+                <a:latin typeface="Microsoft JhengHei" panose="020B0604030504040204" pitchFamily="34" charset="-120"/>
+                <a:ea typeface="Microsoft JhengHei" panose="020B0604030504040204" pitchFamily="34" charset="-120"/>
+              </a:rPr>
+              <a:t>美麗華</a:t>
+            </a:r>
+            <a:endParaRPr kumimoji="1" lang="en-US" altLang="zh-TW" dirty="0">
+              <a:solidFill>
+                <a:schemeClr val="accent1"/>
+              </a:solidFill>
+              <a:latin typeface="Microsoft JhengHei" panose="020B0604030504040204" pitchFamily="34" charset="-120"/>
+              <a:ea typeface="Microsoft JhengHei" panose="020B0604030504040204" pitchFamily="34" charset="-120"/>
+            </a:endParaRPr>
+          </a:p>
+          <a:p>
+            <a:r>
+              <a:rPr kumimoji="1" lang="zh-TW" altLang="en-US" dirty="0">
+                <a:solidFill>
+                  <a:schemeClr val="accent1"/>
+                </a:solidFill>
+                <a:latin typeface="Microsoft JhengHei" panose="020B0604030504040204" pitchFamily="34" charset="-120"/>
+                <a:ea typeface="Microsoft JhengHei" panose="020B0604030504040204" pitchFamily="34" charset="-120"/>
+              </a:rPr>
+              <a:t>小碧潭</a:t>
+            </a:r>
+            <a:r>
+              <a:rPr kumimoji="1" lang="en-US" altLang="zh-TW" dirty="0">
+                <a:solidFill>
+                  <a:schemeClr val="accent1"/>
+                </a:solidFill>
+                <a:latin typeface="Microsoft JhengHei" panose="020B0604030504040204" pitchFamily="34" charset="-120"/>
+                <a:ea typeface="Microsoft JhengHei" panose="020B0604030504040204" pitchFamily="34" charset="-120"/>
+              </a:rPr>
+              <a:t>&gt;&gt;IKEA</a:t>
+            </a:r>
+          </a:p>
+          <a:p>
+            <a:r>
+              <a:rPr kumimoji="1" lang="zh-TW" altLang="en-US" dirty="0">
+                <a:solidFill>
+                  <a:schemeClr val="accent1"/>
+                </a:solidFill>
+                <a:latin typeface="Microsoft JhengHei" panose="020B0604030504040204" pitchFamily="34" charset="-120"/>
+                <a:ea typeface="Microsoft JhengHei" panose="020B0604030504040204" pitchFamily="34" charset="-120"/>
+              </a:rPr>
+              <a:t>圓山</a:t>
+            </a:r>
+            <a:r>
+              <a:rPr kumimoji="1" lang="en-US" altLang="zh-TW" dirty="0">
+                <a:solidFill>
+                  <a:schemeClr val="accent1"/>
+                </a:solidFill>
+                <a:latin typeface="Microsoft JhengHei" panose="020B0604030504040204" pitchFamily="34" charset="-120"/>
+                <a:ea typeface="Microsoft JhengHei" panose="020B0604030504040204" pitchFamily="34" charset="-120"/>
+              </a:rPr>
+              <a:t>&gt;&gt;</a:t>
+            </a:r>
+            <a:r>
+              <a:rPr kumimoji="1" lang="zh-TW" altLang="en-US" dirty="0">
+                <a:solidFill>
+                  <a:schemeClr val="accent1"/>
+                </a:solidFill>
+                <a:latin typeface="Microsoft JhengHei" panose="020B0604030504040204" pitchFamily="34" charset="-120"/>
+                <a:ea typeface="Microsoft JhengHei" panose="020B0604030504040204" pitchFamily="34" charset="-120"/>
+              </a:rPr>
+              <a:t>花博、河濱</a:t>
+            </a:r>
+            <a:endParaRPr kumimoji="1" lang="en-US" altLang="zh-TW" dirty="0">
+              <a:solidFill>
+                <a:schemeClr val="accent1"/>
+              </a:solidFill>
+              <a:latin typeface="Microsoft JhengHei" panose="020B0604030504040204" pitchFamily="34" charset="-120"/>
+              <a:ea typeface="Microsoft JhengHei" panose="020B0604030504040204" pitchFamily="34" charset="-120"/>
+            </a:endParaRPr>
+          </a:p>
+          <a:p>
+            <a:r>
+              <a:rPr kumimoji="1" lang="zh-TW" altLang="en-US" dirty="0">
+                <a:solidFill>
+                  <a:schemeClr val="accent1"/>
+                </a:solidFill>
+                <a:latin typeface="Microsoft JhengHei" panose="020B0604030504040204" pitchFamily="34" charset="-120"/>
+                <a:ea typeface="Microsoft JhengHei" panose="020B0604030504040204" pitchFamily="34" charset="-120"/>
+              </a:rPr>
+              <a:t>大安森林公園</a:t>
+            </a:r>
+            <a:r>
+              <a:rPr kumimoji="1" lang="en-US" altLang="zh-TW" dirty="0">
+                <a:solidFill>
+                  <a:schemeClr val="accent1"/>
+                </a:solidFill>
+                <a:latin typeface="Microsoft JhengHei" panose="020B0604030504040204" pitchFamily="34" charset="-120"/>
+                <a:ea typeface="Microsoft JhengHei" panose="020B0604030504040204" pitchFamily="34" charset="-120"/>
+              </a:rPr>
+              <a:t>&gt;&gt;</a:t>
+            </a:r>
+            <a:r>
+              <a:rPr kumimoji="1" lang="zh-TW" altLang="en-US" dirty="0">
+                <a:solidFill>
+                  <a:schemeClr val="accent1"/>
+                </a:solidFill>
+                <a:latin typeface="Microsoft JhengHei" panose="020B0604030504040204" pitchFamily="34" charset="-120"/>
+                <a:ea typeface="Microsoft JhengHei" panose="020B0604030504040204" pitchFamily="34" charset="-120"/>
+              </a:rPr>
+              <a:t>總圖？</a:t>
+            </a:r>
+          </a:p>
+        </p:txBody>
+      </p:sp>
+      <p:sp>
+        <p:nvSpPr>
+          <p:cNvPr id="59" name="文字方塊 58">
+            <a:extLst>
+              <a:ext uri="{FF2B5EF4-FFF2-40B4-BE49-F238E27FC236}">
+                <a16:creationId xmlns:a16="http://schemas.microsoft.com/office/drawing/2014/main" id="{867DA6F7-7FEA-D061-0718-185DEF2907DF}"/>
+              </a:ext>
+            </a:extLst>
+          </p:cNvPr>
+          <p:cNvSpPr txBox="1"/>
+          <p:nvPr/>
+        </p:nvSpPr>
+        <p:spPr>
+          <a:xfrm>
+            <a:off x="17627600" y="6029202"/>
+            <a:ext cx="1217000" cy="2862322"/>
+          </a:xfrm>
+          <a:prstGeom prst="rect">
+            <a:avLst/>
+          </a:prstGeom>
+          <a:noFill/>
+        </p:spPr>
+        <p:txBody>
+          <a:bodyPr wrap="none" rtlCol="0">
+            <a:spAutoFit/>
+          </a:bodyPr>
+          <a:lstStyle/>
+          <a:p>
+            <a:r>
+              <a:rPr kumimoji="1" lang="en-US" altLang="zh-TW" dirty="0">
+                <a:solidFill>
+                  <a:schemeClr val="accent2"/>
+                </a:solidFill>
+                <a:latin typeface="Microsoft JhengHei" panose="020B0604030504040204" pitchFamily="34" charset="-120"/>
+                <a:ea typeface="Microsoft JhengHei" panose="020B0604030504040204" pitchFamily="34" charset="-120"/>
+              </a:rPr>
+              <a:t>2</a:t>
+            </a:r>
+          </a:p>
+          <a:p>
+            <a:r>
+              <a:rPr kumimoji="1" lang="zh-TW" altLang="en-US" dirty="0">
+                <a:solidFill>
+                  <a:schemeClr val="accent2"/>
+                </a:solidFill>
+                <a:latin typeface="Microsoft JhengHei" panose="020B0604030504040204" pitchFamily="34" charset="-120"/>
+                <a:ea typeface="Microsoft JhengHei" panose="020B0604030504040204" pitchFamily="34" charset="-120"/>
+              </a:rPr>
+              <a:t>士林</a:t>
+            </a:r>
+            <a:r>
+              <a:rPr kumimoji="1" lang="en-US" altLang="zh-TW" dirty="0">
+                <a:solidFill>
+                  <a:schemeClr val="accent2"/>
+                </a:solidFill>
+                <a:latin typeface="Microsoft JhengHei" panose="020B0604030504040204" pitchFamily="34" charset="-120"/>
+                <a:ea typeface="Microsoft JhengHei" panose="020B0604030504040204" pitchFamily="34" charset="-120"/>
+              </a:rPr>
+              <a:t>&gt;&gt;</a:t>
+            </a:r>
+          </a:p>
+          <a:p>
+            <a:r>
+              <a:rPr kumimoji="1" lang="zh-TW" altLang="en-US" dirty="0">
+                <a:solidFill>
+                  <a:schemeClr val="accent2"/>
+                </a:solidFill>
+                <a:latin typeface="Microsoft JhengHei" panose="020B0604030504040204" pitchFamily="34" charset="-120"/>
+                <a:ea typeface="Microsoft JhengHei" panose="020B0604030504040204" pitchFamily="34" charset="-120"/>
+              </a:rPr>
+              <a:t>劍潭</a:t>
+            </a:r>
+            <a:r>
+              <a:rPr kumimoji="1" lang="en-US" altLang="zh-TW" dirty="0">
+                <a:solidFill>
+                  <a:schemeClr val="accent2"/>
+                </a:solidFill>
+                <a:latin typeface="Microsoft JhengHei" panose="020B0604030504040204" pitchFamily="34" charset="-120"/>
+                <a:ea typeface="Microsoft JhengHei" panose="020B0604030504040204" pitchFamily="34" charset="-120"/>
+              </a:rPr>
+              <a:t>&gt;&gt;</a:t>
+            </a:r>
+          </a:p>
+          <a:p>
+            <a:r>
+              <a:rPr kumimoji="1" lang="zh-TW" altLang="en-US" dirty="0">
+                <a:solidFill>
+                  <a:schemeClr val="accent2"/>
+                </a:solidFill>
+                <a:latin typeface="Microsoft JhengHei" panose="020B0604030504040204" pitchFamily="34" charset="-120"/>
+                <a:ea typeface="Microsoft JhengHei" panose="020B0604030504040204" pitchFamily="34" charset="-120"/>
+              </a:rPr>
+              <a:t>三重</a:t>
+            </a:r>
+            <a:r>
+              <a:rPr kumimoji="1" lang="en-US" altLang="zh-TW" dirty="0">
+                <a:solidFill>
+                  <a:schemeClr val="accent2"/>
+                </a:solidFill>
+                <a:latin typeface="Microsoft JhengHei" panose="020B0604030504040204" pitchFamily="34" charset="-120"/>
+                <a:ea typeface="Microsoft JhengHei" panose="020B0604030504040204" pitchFamily="34" charset="-120"/>
+              </a:rPr>
+              <a:t>&gt;&gt;</a:t>
+            </a:r>
+          </a:p>
+          <a:p>
+            <a:r>
+              <a:rPr kumimoji="1" lang="zh-TW" altLang="en-US" dirty="0">
+                <a:solidFill>
+                  <a:schemeClr val="accent2"/>
+                </a:solidFill>
+                <a:latin typeface="Microsoft JhengHei" panose="020B0604030504040204" pitchFamily="34" charset="-120"/>
+                <a:ea typeface="Microsoft JhengHei" panose="020B0604030504040204" pitchFamily="34" charset="-120"/>
+              </a:rPr>
+              <a:t>龍山寺</a:t>
+            </a:r>
+            <a:r>
+              <a:rPr kumimoji="1" lang="en-US" altLang="zh-TW" dirty="0">
+                <a:solidFill>
+                  <a:schemeClr val="accent2"/>
+                </a:solidFill>
+                <a:latin typeface="Microsoft JhengHei" panose="020B0604030504040204" pitchFamily="34" charset="-120"/>
+                <a:ea typeface="Microsoft JhengHei" panose="020B0604030504040204" pitchFamily="34" charset="-120"/>
+              </a:rPr>
+              <a:t>&gt;&gt;</a:t>
+            </a:r>
+          </a:p>
+          <a:p>
+            <a:r>
+              <a:rPr kumimoji="1" lang="zh-TW" altLang="en-US" dirty="0">
+                <a:solidFill>
+                  <a:schemeClr val="accent2"/>
+                </a:solidFill>
+                <a:latin typeface="Microsoft JhengHei" panose="020B0604030504040204" pitchFamily="34" charset="-120"/>
+                <a:ea typeface="Microsoft JhengHei" panose="020B0604030504040204" pitchFamily="34" charset="-120"/>
+              </a:rPr>
+              <a:t>府中</a:t>
+            </a:r>
+            <a:r>
+              <a:rPr kumimoji="1" lang="en-US" altLang="zh-TW" dirty="0">
+                <a:solidFill>
+                  <a:schemeClr val="accent2"/>
+                </a:solidFill>
+                <a:latin typeface="Microsoft JhengHei" panose="020B0604030504040204" pitchFamily="34" charset="-120"/>
+                <a:ea typeface="Microsoft JhengHei" panose="020B0604030504040204" pitchFamily="34" charset="-120"/>
+              </a:rPr>
+              <a:t>&gt;&gt;</a:t>
+            </a:r>
+          </a:p>
+          <a:p>
+            <a:r>
+              <a:rPr kumimoji="1" lang="zh-TW" altLang="en-US" dirty="0">
+                <a:solidFill>
+                  <a:schemeClr val="accent2"/>
+                </a:solidFill>
+                <a:latin typeface="Microsoft JhengHei" panose="020B0604030504040204" pitchFamily="34" charset="-120"/>
+                <a:ea typeface="Microsoft JhengHei" panose="020B0604030504040204" pitchFamily="34" charset="-120"/>
+              </a:rPr>
+              <a:t>北門</a:t>
+            </a:r>
+            <a:r>
+              <a:rPr kumimoji="1" lang="en-US" altLang="zh-TW" dirty="0">
+                <a:solidFill>
+                  <a:schemeClr val="accent2"/>
+                </a:solidFill>
+                <a:latin typeface="Microsoft JhengHei" panose="020B0604030504040204" pitchFamily="34" charset="-120"/>
+                <a:ea typeface="Microsoft JhengHei" panose="020B0604030504040204" pitchFamily="34" charset="-120"/>
+              </a:rPr>
+              <a:t>&gt;&gt;</a:t>
+            </a:r>
+          </a:p>
+          <a:p>
+            <a:r>
+              <a:rPr kumimoji="1" lang="zh-TW" altLang="en-US" dirty="0">
+                <a:solidFill>
+                  <a:schemeClr val="accent2"/>
+                </a:solidFill>
+                <a:latin typeface="Microsoft JhengHei" panose="020B0604030504040204" pitchFamily="34" charset="-120"/>
+                <a:ea typeface="Microsoft JhengHei" panose="020B0604030504040204" pitchFamily="34" charset="-120"/>
+              </a:rPr>
+              <a:t>東門</a:t>
+            </a:r>
+            <a:r>
+              <a:rPr kumimoji="1" lang="en-US" altLang="zh-TW" dirty="0">
+                <a:solidFill>
+                  <a:schemeClr val="accent2"/>
+                </a:solidFill>
+                <a:latin typeface="Microsoft JhengHei" panose="020B0604030504040204" pitchFamily="34" charset="-120"/>
+                <a:ea typeface="Microsoft JhengHei" panose="020B0604030504040204" pitchFamily="34" charset="-120"/>
+              </a:rPr>
+              <a:t>&gt;&gt;</a:t>
+            </a:r>
+          </a:p>
+          <a:p>
+            <a:r>
+              <a:rPr kumimoji="1" lang="zh-TW" altLang="en-US" dirty="0">
+                <a:solidFill>
+                  <a:schemeClr val="accent2"/>
+                </a:solidFill>
+                <a:latin typeface="Microsoft JhengHei" panose="020B0604030504040204" pitchFamily="34" charset="-120"/>
+                <a:ea typeface="Microsoft JhengHei" panose="020B0604030504040204" pitchFamily="34" charset="-120"/>
+              </a:rPr>
+              <a:t>秀朗橋</a:t>
+            </a:r>
+            <a:r>
+              <a:rPr kumimoji="1" lang="en-US" altLang="zh-TW" dirty="0">
+                <a:solidFill>
+                  <a:schemeClr val="accent2"/>
+                </a:solidFill>
+                <a:latin typeface="Microsoft JhengHei" panose="020B0604030504040204" pitchFamily="34" charset="-120"/>
+                <a:ea typeface="Microsoft JhengHei" panose="020B0604030504040204" pitchFamily="34" charset="-120"/>
+              </a:rPr>
+              <a:t>&gt;&gt;</a:t>
+            </a:r>
+          </a:p>
+          <a:p>
+            <a:r>
+              <a:rPr kumimoji="1" lang="zh-TW" altLang="en-US" dirty="0">
+                <a:solidFill>
+                  <a:schemeClr val="accent2"/>
+                </a:solidFill>
+                <a:latin typeface="Microsoft JhengHei" panose="020B0604030504040204" pitchFamily="34" charset="-120"/>
+                <a:ea typeface="Microsoft JhengHei" panose="020B0604030504040204" pitchFamily="34" charset="-120"/>
+              </a:rPr>
+              <a:t>新店</a:t>
+            </a:r>
+            <a:r>
+              <a:rPr kumimoji="1" lang="en-US" altLang="zh-TW" dirty="0">
+                <a:solidFill>
+                  <a:schemeClr val="accent2"/>
+                </a:solidFill>
+                <a:latin typeface="Microsoft JhengHei" panose="020B0604030504040204" pitchFamily="34" charset="-120"/>
+                <a:ea typeface="Microsoft JhengHei" panose="020B0604030504040204" pitchFamily="34" charset="-120"/>
+              </a:rPr>
+              <a:t>&gt;&gt;</a:t>
+            </a:r>
+            <a:endParaRPr kumimoji="1" lang="zh-TW" altLang="en-US" dirty="0">
+              <a:solidFill>
+                <a:schemeClr val="accent2"/>
+              </a:solidFill>
+              <a:latin typeface="Microsoft JhengHei" panose="020B0604030504040204" pitchFamily="34" charset="-120"/>
+              <a:ea typeface="Microsoft JhengHei" panose="020B0604030504040204" pitchFamily="34" charset="-120"/>
+            </a:endParaRPr>
+          </a:p>
+        </p:txBody>
+      </p:sp>
+      <p:sp>
+        <p:nvSpPr>
+          <p:cNvPr id="2" name="文字方塊 1">
+            <a:extLst>
+              <a:ext uri="{FF2B5EF4-FFF2-40B4-BE49-F238E27FC236}">
+                <a16:creationId xmlns:a16="http://schemas.microsoft.com/office/drawing/2014/main" id="{8D5699C0-B0CD-481F-1339-446378D004A4}"/>
+              </a:ext>
+            </a:extLst>
+          </p:cNvPr>
+          <p:cNvSpPr txBox="1"/>
+          <p:nvPr/>
+        </p:nvSpPr>
+        <p:spPr>
+          <a:xfrm>
+            <a:off x="2061275" y="1844298"/>
+            <a:ext cx="1479316" cy="369332"/>
+          </a:xfrm>
+          <a:prstGeom prst="rect">
+            <a:avLst/>
+          </a:prstGeom>
+          <a:noFill/>
+        </p:spPr>
+        <p:txBody>
+          <a:bodyPr wrap="none" rtlCol="0">
+            <a:spAutoFit/>
+          </a:bodyPr>
+          <a:lstStyle/>
+          <a:p>
+            <a:r>
+              <a:rPr kumimoji="1" lang="en-US" altLang="zh-TW" dirty="0" err="1"/>
+              <a:t>minmaxscaler</a:t>
+            </a:r>
+            <a:endParaRPr kumimoji="1" lang="zh-TW" altLang="en-US" dirty="0"/>
+          </a:p>
+        </p:txBody>
+      </p:sp>
+      <p:sp>
+        <p:nvSpPr>
+          <p:cNvPr id="3" name="橢圓 2">
+            <a:extLst>
+              <a:ext uri="{FF2B5EF4-FFF2-40B4-BE49-F238E27FC236}">
+                <a16:creationId xmlns:a16="http://schemas.microsoft.com/office/drawing/2014/main" id="{F567D285-CA40-6148-10C1-14E52DDC7F38}"/>
+              </a:ext>
+            </a:extLst>
+          </p:cNvPr>
+          <p:cNvSpPr/>
+          <p:nvPr/>
+        </p:nvSpPr>
+        <p:spPr>
+          <a:xfrm>
+            <a:off x="12665529" y="12900196"/>
+            <a:ext cx="359228" cy="348343"/>
+          </a:xfrm>
+          <a:prstGeom prst="ellipse">
+            <a:avLst/>
+          </a:prstGeom>
+          <a:solidFill>
+            <a:srgbClr val="4472C4">
+              <a:alpha val="50196"/>
+            </a:srgbClr>
+          </a:solidFill>
+        </p:spPr>
+        <p:style>
+          <a:lnRef idx="2">
+            <a:schemeClr val="accent1">
+              <a:shade val="50000"/>
+            </a:schemeClr>
+          </a:lnRef>
+          <a:fillRef idx="1">
+            <a:schemeClr val="accent1"/>
+          </a:fillRef>
+          <a:effectRef idx="0">
+            <a:schemeClr val="accent1"/>
+          </a:effectRef>
+          <a:fontRef idx="minor">
+            <a:schemeClr val="lt1"/>
+          </a:fontRef>
+        </p:style>
+        <p:txBody>
+          <a:bodyPr rtlCol="0" anchor="ctr"/>
+          <a:lstStyle/>
+          <a:p>
+            <a:pPr algn="ctr"/>
+            <a:endParaRPr kumimoji="1" lang="zh-TW" altLang="en-US"/>
+          </a:p>
+        </p:txBody>
+      </p:sp>
+      <p:sp>
+        <p:nvSpPr>
+          <p:cNvPr id="4" name="橢圓 3">
+            <a:extLst>
+              <a:ext uri="{FF2B5EF4-FFF2-40B4-BE49-F238E27FC236}">
+                <a16:creationId xmlns:a16="http://schemas.microsoft.com/office/drawing/2014/main" id="{9E54FD0E-A2E9-A115-630B-230BE682DFE3}"/>
+              </a:ext>
+            </a:extLst>
+          </p:cNvPr>
+          <p:cNvSpPr/>
+          <p:nvPr/>
+        </p:nvSpPr>
+        <p:spPr>
+          <a:xfrm>
+            <a:off x="10750180" y="4896510"/>
+            <a:ext cx="359228" cy="348343"/>
+          </a:xfrm>
+          <a:prstGeom prst="ellipse">
+            <a:avLst/>
+          </a:prstGeom>
+          <a:solidFill>
+            <a:srgbClr val="4472C4">
+              <a:alpha val="50196"/>
+            </a:srgbClr>
+          </a:solidFill>
+        </p:spPr>
+        <p:style>
+          <a:lnRef idx="2">
+            <a:schemeClr val="accent1">
+              <a:shade val="50000"/>
+            </a:schemeClr>
+          </a:lnRef>
+          <a:fillRef idx="1">
+            <a:schemeClr val="accent1"/>
+          </a:fillRef>
+          <a:effectRef idx="0">
+            <a:schemeClr val="accent1"/>
+          </a:effectRef>
+          <a:fontRef idx="minor">
+            <a:schemeClr val="lt1"/>
+          </a:fontRef>
+        </p:style>
+        <p:txBody>
+          <a:bodyPr rtlCol="0" anchor="ctr"/>
+          <a:lstStyle/>
+          <a:p>
+            <a:pPr algn="ctr"/>
+            <a:endParaRPr kumimoji="1" lang="zh-TW" altLang="en-US"/>
+          </a:p>
+        </p:txBody>
+      </p:sp>
+      <p:sp>
+        <p:nvSpPr>
+          <p:cNvPr id="20" name="橢圓 19">
+            <a:extLst>
+              <a:ext uri="{FF2B5EF4-FFF2-40B4-BE49-F238E27FC236}">
+                <a16:creationId xmlns:a16="http://schemas.microsoft.com/office/drawing/2014/main" id="{3067602F-4808-4158-E960-E9954C550EF5}"/>
+              </a:ext>
+            </a:extLst>
+          </p:cNvPr>
+          <p:cNvSpPr/>
+          <p:nvPr/>
+        </p:nvSpPr>
+        <p:spPr>
+          <a:xfrm>
+            <a:off x="14146719" y="8816996"/>
+            <a:ext cx="359228" cy="348343"/>
+          </a:xfrm>
+          <a:prstGeom prst="ellipse">
+            <a:avLst/>
+          </a:prstGeom>
+          <a:solidFill>
+            <a:srgbClr val="4472C4">
+              <a:alpha val="50196"/>
+            </a:srgbClr>
+          </a:solidFill>
+        </p:spPr>
+        <p:style>
+          <a:lnRef idx="2">
+            <a:schemeClr val="accent1">
+              <a:shade val="50000"/>
+            </a:schemeClr>
+          </a:lnRef>
+          <a:fillRef idx="1">
+            <a:schemeClr val="accent1"/>
+          </a:fillRef>
+          <a:effectRef idx="0">
+            <a:schemeClr val="accent1"/>
+          </a:effectRef>
+          <a:fontRef idx="minor">
+            <a:schemeClr val="lt1"/>
+          </a:fontRef>
+        </p:style>
+        <p:txBody>
+          <a:bodyPr rtlCol="0" anchor="ctr"/>
+          <a:lstStyle/>
+          <a:p>
+            <a:pPr algn="ctr"/>
+            <a:endParaRPr kumimoji="1" lang="zh-TW" altLang="en-US"/>
+          </a:p>
+        </p:txBody>
+      </p:sp>
+      <p:sp>
+        <p:nvSpPr>
+          <p:cNvPr id="21" name="橢圓 20">
+            <a:extLst>
+              <a:ext uri="{FF2B5EF4-FFF2-40B4-BE49-F238E27FC236}">
+                <a16:creationId xmlns:a16="http://schemas.microsoft.com/office/drawing/2014/main" id="{099DE31F-9E24-923D-60D9-C05A4F7F8A6E}"/>
+              </a:ext>
+            </a:extLst>
+          </p:cNvPr>
+          <p:cNvSpPr/>
+          <p:nvPr/>
+        </p:nvSpPr>
+        <p:spPr>
+          <a:xfrm>
+            <a:off x="8374300" y="7177523"/>
+            <a:ext cx="359228" cy="348343"/>
+          </a:xfrm>
+          <a:prstGeom prst="ellipse">
+            <a:avLst/>
+          </a:prstGeom>
+          <a:solidFill>
+            <a:srgbClr val="4472C4">
+              <a:alpha val="50196"/>
+            </a:srgbClr>
+          </a:solidFill>
+        </p:spPr>
+        <p:style>
+          <a:lnRef idx="2">
+            <a:schemeClr val="accent1">
+              <a:shade val="50000"/>
+            </a:schemeClr>
+          </a:lnRef>
+          <a:fillRef idx="1">
+            <a:schemeClr val="accent1"/>
+          </a:fillRef>
+          <a:effectRef idx="0">
+            <a:schemeClr val="accent1"/>
+          </a:effectRef>
+          <a:fontRef idx="minor">
+            <a:schemeClr val="lt1"/>
+          </a:fontRef>
+        </p:style>
+        <p:txBody>
+          <a:bodyPr rtlCol="0" anchor="ctr"/>
+          <a:lstStyle/>
+          <a:p>
+            <a:pPr algn="ctr"/>
+            <a:endParaRPr kumimoji="1" lang="zh-TW" altLang="en-US"/>
+          </a:p>
+        </p:txBody>
+      </p:sp>
+      <p:sp>
+        <p:nvSpPr>
+          <p:cNvPr id="22" name="橢圓 21">
+            <a:extLst>
+              <a:ext uri="{FF2B5EF4-FFF2-40B4-BE49-F238E27FC236}">
+                <a16:creationId xmlns:a16="http://schemas.microsoft.com/office/drawing/2014/main" id="{58D76013-46D7-F3B2-6A80-AA6BD7FAE2BE}"/>
+              </a:ext>
+            </a:extLst>
+          </p:cNvPr>
+          <p:cNvSpPr/>
+          <p:nvPr/>
+        </p:nvSpPr>
+        <p:spPr>
+          <a:xfrm>
+            <a:off x="16114404" y="7026447"/>
+            <a:ext cx="359228" cy="348343"/>
+          </a:xfrm>
+          <a:prstGeom prst="ellipse">
+            <a:avLst/>
+          </a:prstGeom>
+          <a:solidFill>
+            <a:srgbClr val="4472C4">
+              <a:alpha val="50196"/>
+            </a:srgbClr>
+          </a:solidFill>
+        </p:spPr>
+        <p:style>
+          <a:lnRef idx="2">
+            <a:schemeClr val="accent1">
+              <a:shade val="50000"/>
+            </a:schemeClr>
+          </a:lnRef>
+          <a:fillRef idx="1">
+            <a:schemeClr val="accent1"/>
+          </a:fillRef>
+          <a:effectRef idx="0">
+            <a:schemeClr val="accent1"/>
+          </a:effectRef>
+          <a:fontRef idx="minor">
+            <a:schemeClr val="lt1"/>
+          </a:fontRef>
+        </p:style>
+        <p:txBody>
+          <a:bodyPr rtlCol="0" anchor="ctr"/>
+          <a:lstStyle/>
+          <a:p>
+            <a:pPr algn="ctr"/>
+            <a:endParaRPr kumimoji="1" lang="zh-TW" altLang="en-US"/>
+          </a:p>
+        </p:txBody>
+      </p:sp>
+      <p:sp>
+        <p:nvSpPr>
+          <p:cNvPr id="23" name="橢圓 22">
+            <a:extLst>
+              <a:ext uri="{FF2B5EF4-FFF2-40B4-BE49-F238E27FC236}">
+                <a16:creationId xmlns:a16="http://schemas.microsoft.com/office/drawing/2014/main" id="{BE0810F7-E852-75F3-FCC4-83C52EC1D0FF}"/>
+              </a:ext>
+            </a:extLst>
+          </p:cNvPr>
+          <p:cNvSpPr/>
+          <p:nvPr/>
+        </p:nvSpPr>
+        <p:spPr>
+          <a:xfrm>
+            <a:off x="16114404" y="6478869"/>
+            <a:ext cx="359228" cy="348343"/>
+          </a:xfrm>
+          <a:prstGeom prst="ellipse">
+            <a:avLst/>
+          </a:prstGeom>
+          <a:solidFill>
+            <a:srgbClr val="4472C4">
+              <a:alpha val="50196"/>
+            </a:srgbClr>
+          </a:solidFill>
+        </p:spPr>
+        <p:style>
+          <a:lnRef idx="2">
+            <a:schemeClr val="accent1">
+              <a:shade val="50000"/>
+            </a:schemeClr>
+          </a:lnRef>
+          <a:fillRef idx="1">
+            <a:schemeClr val="accent1"/>
+          </a:fillRef>
+          <a:effectRef idx="0">
+            <a:schemeClr val="accent1"/>
+          </a:effectRef>
+          <a:fontRef idx="minor">
+            <a:schemeClr val="lt1"/>
+          </a:fontRef>
+        </p:style>
+        <p:txBody>
+          <a:bodyPr rtlCol="0" anchor="ctr"/>
+          <a:lstStyle/>
+          <a:p>
+            <a:pPr algn="ctr"/>
+            <a:endParaRPr kumimoji="1" lang="zh-TW" altLang="en-US"/>
+          </a:p>
+        </p:txBody>
+      </p:sp>
+      <p:sp>
+        <p:nvSpPr>
+          <p:cNvPr id="24" name="橢圓 23">
+            <a:extLst>
+              <a:ext uri="{FF2B5EF4-FFF2-40B4-BE49-F238E27FC236}">
+                <a16:creationId xmlns:a16="http://schemas.microsoft.com/office/drawing/2014/main" id="{33068369-E230-D80C-CCAF-57CAD8725352}"/>
+              </a:ext>
+            </a:extLst>
+          </p:cNvPr>
+          <p:cNvSpPr/>
+          <p:nvPr/>
+        </p:nvSpPr>
+        <p:spPr>
+          <a:xfrm>
+            <a:off x="11645408" y="9724992"/>
+            <a:ext cx="359228" cy="348343"/>
+          </a:xfrm>
+          <a:prstGeom prst="ellipse">
+            <a:avLst/>
+          </a:prstGeom>
+          <a:solidFill>
+            <a:schemeClr val="accent2">
+              <a:alpha val="50196"/>
+            </a:schemeClr>
+          </a:solidFill>
+          <a:ln w="38100">
+            <a:solidFill>
+              <a:schemeClr val="accent2"/>
+            </a:solidFill>
+          </a:ln>
+        </p:spPr>
+        <p:style>
+          <a:lnRef idx="2">
+            <a:schemeClr val="accent1">
+              <a:shade val="50000"/>
+            </a:schemeClr>
+          </a:lnRef>
+          <a:fillRef idx="1">
+            <a:schemeClr val="accent1"/>
+          </a:fillRef>
+          <a:effectRef idx="0">
+            <a:schemeClr val="accent1"/>
+          </a:effectRef>
+          <a:fontRef idx="minor">
+            <a:schemeClr val="lt1"/>
+          </a:fontRef>
+        </p:style>
+        <p:txBody>
+          <a:bodyPr rtlCol="0" anchor="ctr"/>
+          <a:lstStyle/>
+          <a:p>
+            <a:pPr algn="ctr"/>
+            <a:endParaRPr kumimoji="1" lang="zh-TW" altLang="en-US"/>
+          </a:p>
+        </p:txBody>
+      </p:sp>
+      <p:sp>
+        <p:nvSpPr>
+          <p:cNvPr id="25" name="橢圓 24">
+            <a:extLst>
+              <a:ext uri="{FF2B5EF4-FFF2-40B4-BE49-F238E27FC236}">
+                <a16:creationId xmlns:a16="http://schemas.microsoft.com/office/drawing/2014/main" id="{DDABCB39-F418-CE2F-7D14-E10C8FA116F2}"/>
+              </a:ext>
+            </a:extLst>
+          </p:cNvPr>
+          <p:cNvSpPr/>
+          <p:nvPr/>
+        </p:nvSpPr>
+        <p:spPr>
+          <a:xfrm>
+            <a:off x="12306301" y="10477043"/>
+            <a:ext cx="359228" cy="348343"/>
+          </a:xfrm>
+          <a:prstGeom prst="ellipse">
+            <a:avLst/>
+          </a:prstGeom>
+          <a:solidFill>
+            <a:schemeClr val="accent2">
+              <a:alpha val="50196"/>
+            </a:schemeClr>
+          </a:solidFill>
+          <a:ln w="38100">
+            <a:solidFill>
+              <a:schemeClr val="accent2"/>
+            </a:solidFill>
+          </a:ln>
+        </p:spPr>
+        <p:style>
+          <a:lnRef idx="2">
+            <a:schemeClr val="accent1">
+              <a:shade val="50000"/>
+            </a:schemeClr>
+          </a:lnRef>
+          <a:fillRef idx="1">
+            <a:schemeClr val="accent1"/>
+          </a:fillRef>
+          <a:effectRef idx="0">
+            <a:schemeClr val="accent1"/>
+          </a:effectRef>
+          <a:fontRef idx="minor">
+            <a:schemeClr val="lt1"/>
+          </a:fontRef>
+        </p:style>
+        <p:txBody>
+          <a:bodyPr rtlCol="0" anchor="ctr"/>
+          <a:lstStyle/>
+          <a:p>
+            <a:pPr algn="ctr"/>
+            <a:endParaRPr kumimoji="1" lang="zh-TW" altLang="en-US"/>
+          </a:p>
+        </p:txBody>
+      </p:sp>
+      <p:sp>
+        <p:nvSpPr>
+          <p:cNvPr id="26" name="橢圓 25">
+            <a:extLst>
+              <a:ext uri="{FF2B5EF4-FFF2-40B4-BE49-F238E27FC236}">
+                <a16:creationId xmlns:a16="http://schemas.microsoft.com/office/drawing/2014/main" id="{53ADEEC7-8372-4365-075D-3DF2E36050A1}"/>
+              </a:ext>
+            </a:extLst>
+          </p:cNvPr>
+          <p:cNvSpPr/>
+          <p:nvPr/>
+        </p:nvSpPr>
+        <p:spPr>
+          <a:xfrm>
+            <a:off x="10750180" y="3931955"/>
+            <a:ext cx="359228" cy="348343"/>
+          </a:xfrm>
+          <a:prstGeom prst="ellipse">
+            <a:avLst/>
+          </a:prstGeom>
+          <a:solidFill>
+            <a:schemeClr val="accent2">
+              <a:alpha val="50196"/>
+            </a:schemeClr>
+          </a:solidFill>
+          <a:ln w="38100">
+            <a:solidFill>
+              <a:schemeClr val="accent2"/>
+            </a:solidFill>
+          </a:ln>
+        </p:spPr>
+        <p:style>
+          <a:lnRef idx="2">
+            <a:schemeClr val="accent1">
+              <a:shade val="50000"/>
+            </a:schemeClr>
+          </a:lnRef>
+          <a:fillRef idx="1">
+            <a:schemeClr val="accent1"/>
+          </a:fillRef>
+          <a:effectRef idx="0">
+            <a:schemeClr val="accent1"/>
+          </a:effectRef>
+          <a:fontRef idx="minor">
+            <a:schemeClr val="lt1"/>
+          </a:fontRef>
+        </p:style>
+        <p:txBody>
+          <a:bodyPr rtlCol="0" anchor="ctr"/>
+          <a:lstStyle/>
+          <a:p>
+            <a:pPr algn="ctr"/>
+            <a:endParaRPr kumimoji="1" lang="zh-TW" altLang="en-US"/>
+          </a:p>
+        </p:txBody>
+      </p:sp>
+      <p:sp>
+        <p:nvSpPr>
+          <p:cNvPr id="27" name="橢圓 26">
+            <a:extLst>
+              <a:ext uri="{FF2B5EF4-FFF2-40B4-BE49-F238E27FC236}">
+                <a16:creationId xmlns:a16="http://schemas.microsoft.com/office/drawing/2014/main" id="{738F7C6D-6000-1713-11C6-FB1FD1D56724}"/>
+              </a:ext>
+            </a:extLst>
+          </p:cNvPr>
+          <p:cNvSpPr/>
+          <p:nvPr/>
+        </p:nvSpPr>
+        <p:spPr>
+          <a:xfrm>
+            <a:off x="9418751" y="2677100"/>
+            <a:ext cx="359228" cy="348343"/>
+          </a:xfrm>
+          <a:prstGeom prst="ellipse">
+            <a:avLst/>
+          </a:prstGeom>
+          <a:solidFill>
+            <a:schemeClr val="accent2">
+              <a:alpha val="50196"/>
+            </a:schemeClr>
+          </a:solidFill>
+          <a:ln w="38100">
+            <a:solidFill>
+              <a:schemeClr val="accent2"/>
+            </a:solidFill>
+          </a:ln>
+        </p:spPr>
+        <p:style>
+          <a:lnRef idx="2">
+            <a:schemeClr val="accent1">
+              <a:shade val="50000"/>
+            </a:schemeClr>
+          </a:lnRef>
+          <a:fillRef idx="1">
+            <a:schemeClr val="accent1"/>
+          </a:fillRef>
+          <a:effectRef idx="0">
+            <a:schemeClr val="accent1"/>
+          </a:effectRef>
+          <a:fontRef idx="minor">
+            <a:schemeClr val="lt1"/>
+          </a:fontRef>
+        </p:style>
+        <p:txBody>
+          <a:bodyPr rtlCol="0" anchor="ctr"/>
+          <a:lstStyle/>
+          <a:p>
+            <a:pPr algn="ctr"/>
+            <a:endParaRPr kumimoji="1" lang="zh-TW" altLang="en-US"/>
+          </a:p>
+        </p:txBody>
+      </p:sp>
+      <p:sp>
+        <p:nvSpPr>
+          <p:cNvPr id="28" name="橢圓 27">
+            <a:extLst>
+              <a:ext uri="{FF2B5EF4-FFF2-40B4-BE49-F238E27FC236}">
+                <a16:creationId xmlns:a16="http://schemas.microsoft.com/office/drawing/2014/main" id="{EFAEE389-67BF-DABC-8CE0-73FA276AB829}"/>
+              </a:ext>
+            </a:extLst>
+          </p:cNvPr>
+          <p:cNvSpPr/>
+          <p:nvPr/>
+        </p:nvSpPr>
+        <p:spPr>
+          <a:xfrm>
+            <a:off x="8901018" y="2677099"/>
+            <a:ext cx="359228" cy="348343"/>
+          </a:xfrm>
+          <a:prstGeom prst="ellipse">
+            <a:avLst/>
+          </a:prstGeom>
+          <a:solidFill>
+            <a:schemeClr val="accent2">
+              <a:alpha val="50196"/>
+            </a:schemeClr>
+          </a:solidFill>
+          <a:ln w="38100">
+            <a:solidFill>
+              <a:schemeClr val="accent2"/>
+            </a:solidFill>
+          </a:ln>
+        </p:spPr>
+        <p:style>
+          <a:lnRef idx="2">
+            <a:schemeClr val="accent1">
+              <a:shade val="50000"/>
+            </a:schemeClr>
+          </a:lnRef>
+          <a:fillRef idx="1">
+            <a:schemeClr val="accent1"/>
+          </a:fillRef>
+          <a:effectRef idx="0">
+            <a:schemeClr val="accent1"/>
+          </a:effectRef>
+          <a:fontRef idx="minor">
+            <a:schemeClr val="lt1"/>
+          </a:fontRef>
+        </p:style>
+        <p:txBody>
+          <a:bodyPr rtlCol="0" anchor="ctr"/>
+          <a:lstStyle/>
+          <a:p>
+            <a:pPr algn="ctr"/>
+            <a:endParaRPr kumimoji="1" lang="zh-TW" altLang="en-US"/>
+          </a:p>
+        </p:txBody>
+      </p:sp>
+      <p:sp>
+        <p:nvSpPr>
+          <p:cNvPr id="29" name="橢圓 28">
+            <a:extLst>
+              <a:ext uri="{FF2B5EF4-FFF2-40B4-BE49-F238E27FC236}">
+                <a16:creationId xmlns:a16="http://schemas.microsoft.com/office/drawing/2014/main" id="{B91BDF62-E48E-E127-3F46-862F8F8DE4A3}"/>
+              </a:ext>
+            </a:extLst>
+          </p:cNvPr>
+          <p:cNvSpPr/>
+          <p:nvPr/>
+        </p:nvSpPr>
+        <p:spPr>
+          <a:xfrm>
+            <a:off x="8601471" y="12011722"/>
+            <a:ext cx="359228" cy="348343"/>
+          </a:xfrm>
+          <a:prstGeom prst="ellipse">
+            <a:avLst/>
+          </a:prstGeom>
+          <a:solidFill>
+            <a:schemeClr val="accent2">
+              <a:alpha val="50196"/>
+            </a:schemeClr>
+          </a:solidFill>
+          <a:ln w="38100">
+            <a:solidFill>
+              <a:schemeClr val="accent2"/>
+            </a:solidFill>
+          </a:ln>
+        </p:spPr>
+        <p:style>
+          <a:lnRef idx="2">
+            <a:schemeClr val="accent1">
+              <a:shade val="50000"/>
+            </a:schemeClr>
+          </a:lnRef>
+          <a:fillRef idx="1">
+            <a:schemeClr val="accent1"/>
+          </a:fillRef>
+          <a:effectRef idx="0">
+            <a:schemeClr val="accent1"/>
+          </a:effectRef>
+          <a:fontRef idx="minor">
+            <a:schemeClr val="lt1"/>
+          </a:fontRef>
+        </p:style>
+        <p:txBody>
+          <a:bodyPr rtlCol="0" anchor="ctr"/>
+          <a:lstStyle/>
+          <a:p>
+            <a:pPr algn="ctr"/>
+            <a:endParaRPr kumimoji="1" lang="zh-TW" altLang="en-US"/>
+          </a:p>
+        </p:txBody>
+      </p:sp>
+      <p:sp>
+        <p:nvSpPr>
+          <p:cNvPr id="30" name="橢圓 29">
+            <a:extLst>
+              <a:ext uri="{FF2B5EF4-FFF2-40B4-BE49-F238E27FC236}">
+                <a16:creationId xmlns:a16="http://schemas.microsoft.com/office/drawing/2014/main" id="{E8798376-D856-0C1D-AD31-13CF86E50E02}"/>
+              </a:ext>
+            </a:extLst>
+          </p:cNvPr>
+          <p:cNvSpPr/>
+          <p:nvPr/>
+        </p:nvSpPr>
+        <p:spPr>
+          <a:xfrm>
+            <a:off x="8618465" y="11511144"/>
+            <a:ext cx="359228" cy="348343"/>
+          </a:xfrm>
+          <a:prstGeom prst="ellipse">
+            <a:avLst/>
+          </a:prstGeom>
+          <a:solidFill>
+            <a:schemeClr val="accent2">
+              <a:alpha val="50196"/>
+            </a:schemeClr>
+          </a:solidFill>
+          <a:ln w="38100">
+            <a:solidFill>
+              <a:schemeClr val="accent2"/>
+            </a:solidFill>
+          </a:ln>
+        </p:spPr>
+        <p:style>
+          <a:lnRef idx="2">
+            <a:schemeClr val="accent1">
+              <a:shade val="50000"/>
+            </a:schemeClr>
+          </a:lnRef>
+          <a:fillRef idx="1">
+            <a:schemeClr val="accent1"/>
+          </a:fillRef>
+          <a:effectRef idx="0">
+            <a:schemeClr val="accent1"/>
+          </a:effectRef>
+          <a:fontRef idx="minor">
+            <a:schemeClr val="lt1"/>
+          </a:fontRef>
+        </p:style>
+        <p:txBody>
+          <a:bodyPr rtlCol="0" anchor="ctr"/>
+          <a:lstStyle/>
+          <a:p>
+            <a:pPr algn="ctr"/>
+            <a:endParaRPr kumimoji="1" lang="zh-TW" altLang="en-US"/>
+          </a:p>
+        </p:txBody>
+      </p:sp>
+      <p:sp>
+        <p:nvSpPr>
+          <p:cNvPr id="31" name="橢圓 30">
+            <a:extLst>
+              <a:ext uri="{FF2B5EF4-FFF2-40B4-BE49-F238E27FC236}">
+                <a16:creationId xmlns:a16="http://schemas.microsoft.com/office/drawing/2014/main" id="{140AFD8B-9153-AB2A-E4E5-1838B2DDD137}"/>
+              </a:ext>
+            </a:extLst>
+          </p:cNvPr>
+          <p:cNvSpPr/>
+          <p:nvPr/>
+        </p:nvSpPr>
+        <p:spPr>
+          <a:xfrm>
+            <a:off x="11305137" y="7894070"/>
+            <a:ext cx="359228" cy="348343"/>
+          </a:xfrm>
+          <a:prstGeom prst="ellipse">
+            <a:avLst/>
+          </a:prstGeom>
+          <a:solidFill>
+            <a:schemeClr val="accent2">
+              <a:alpha val="50196"/>
+            </a:schemeClr>
+          </a:solidFill>
+          <a:ln w="38100">
+            <a:solidFill>
+              <a:schemeClr val="accent2"/>
+            </a:solidFill>
+          </a:ln>
+        </p:spPr>
+        <p:style>
+          <a:lnRef idx="2">
+            <a:schemeClr val="accent1">
+              <a:shade val="50000"/>
+            </a:schemeClr>
+          </a:lnRef>
+          <a:fillRef idx="1">
+            <a:schemeClr val="accent1"/>
+          </a:fillRef>
+          <a:effectRef idx="0">
+            <a:schemeClr val="accent1"/>
+          </a:effectRef>
+          <a:fontRef idx="minor">
+            <a:schemeClr val="lt1"/>
+          </a:fontRef>
+        </p:style>
+        <p:txBody>
+          <a:bodyPr rtlCol="0" anchor="ctr"/>
+          <a:lstStyle/>
+          <a:p>
+            <a:pPr algn="ctr"/>
+            <a:endParaRPr kumimoji="1" lang="zh-TW" altLang="en-US"/>
+          </a:p>
+        </p:txBody>
+      </p:sp>
+      <p:sp>
+        <p:nvSpPr>
+          <p:cNvPr id="32" name="橢圓 31">
+            <a:extLst>
+              <a:ext uri="{FF2B5EF4-FFF2-40B4-BE49-F238E27FC236}">
+                <a16:creationId xmlns:a16="http://schemas.microsoft.com/office/drawing/2014/main" id="{C59439CC-2CFF-7DA0-6B54-21F43191C650}"/>
+              </a:ext>
+            </a:extLst>
+          </p:cNvPr>
+          <p:cNvSpPr/>
+          <p:nvPr/>
+        </p:nvSpPr>
+        <p:spPr>
+          <a:xfrm>
+            <a:off x="15755176" y="7881256"/>
+            <a:ext cx="359228" cy="348343"/>
+          </a:xfrm>
+          <a:prstGeom prst="ellipse">
+            <a:avLst/>
+          </a:prstGeom>
+          <a:solidFill>
+            <a:schemeClr val="accent2">
+              <a:alpha val="50196"/>
+            </a:schemeClr>
+          </a:solidFill>
+          <a:ln w="38100">
+            <a:solidFill>
+              <a:schemeClr val="accent2"/>
+            </a:solidFill>
+          </a:ln>
+        </p:spPr>
+        <p:style>
+          <a:lnRef idx="2">
+            <a:schemeClr val="accent1">
+              <a:shade val="50000"/>
+            </a:schemeClr>
+          </a:lnRef>
+          <a:fillRef idx="1">
+            <a:schemeClr val="accent1"/>
+          </a:fillRef>
+          <a:effectRef idx="0">
+            <a:schemeClr val="accent1"/>
+          </a:effectRef>
+          <a:fontRef idx="minor">
+            <a:schemeClr val="lt1"/>
+          </a:fontRef>
+        </p:style>
+        <p:txBody>
+          <a:bodyPr rtlCol="0" anchor="ctr"/>
+          <a:lstStyle/>
+          <a:p>
+            <a:pPr algn="ctr"/>
+            <a:endParaRPr kumimoji="1" lang="zh-TW" altLang="en-US"/>
+          </a:p>
+        </p:txBody>
+      </p:sp>
+      <p:sp>
+        <p:nvSpPr>
+          <p:cNvPr id="33" name="橢圓 32">
+            <a:extLst>
+              <a:ext uri="{FF2B5EF4-FFF2-40B4-BE49-F238E27FC236}">
+                <a16:creationId xmlns:a16="http://schemas.microsoft.com/office/drawing/2014/main" id="{10F31E8C-7B8B-471C-E4DC-D71EFD77C155}"/>
+              </a:ext>
+            </a:extLst>
+          </p:cNvPr>
+          <p:cNvSpPr/>
+          <p:nvPr/>
+        </p:nvSpPr>
+        <p:spPr>
+          <a:xfrm>
+            <a:off x="13575565" y="7003351"/>
+            <a:ext cx="359228" cy="348343"/>
+          </a:xfrm>
+          <a:prstGeom prst="ellipse">
+            <a:avLst/>
+          </a:prstGeom>
+          <a:solidFill>
+            <a:schemeClr val="accent2">
+              <a:alpha val="50196"/>
+            </a:schemeClr>
+          </a:solidFill>
+          <a:ln w="38100">
+            <a:solidFill>
+              <a:schemeClr val="accent2"/>
+            </a:solidFill>
+          </a:ln>
+        </p:spPr>
+        <p:style>
+          <a:lnRef idx="2">
+            <a:schemeClr val="accent1">
+              <a:shade val="50000"/>
+            </a:schemeClr>
+          </a:lnRef>
+          <a:fillRef idx="1">
+            <a:schemeClr val="accent1"/>
+          </a:fillRef>
+          <a:effectRef idx="0">
+            <a:schemeClr val="accent1"/>
+          </a:effectRef>
+          <a:fontRef idx="minor">
+            <a:schemeClr val="lt1"/>
+          </a:fontRef>
+        </p:style>
+        <p:txBody>
+          <a:bodyPr rtlCol="0" anchor="ctr"/>
+          <a:lstStyle/>
+          <a:p>
+            <a:pPr algn="ctr"/>
+            <a:endParaRPr kumimoji="1" lang="zh-TW" altLang="en-US"/>
+          </a:p>
+        </p:txBody>
+      </p:sp>
+      <p:sp>
+        <p:nvSpPr>
+          <p:cNvPr id="34" name="橢圓 33">
+            <a:extLst>
+              <a:ext uri="{FF2B5EF4-FFF2-40B4-BE49-F238E27FC236}">
+                <a16:creationId xmlns:a16="http://schemas.microsoft.com/office/drawing/2014/main" id="{AB459543-ADF0-FD28-8DE5-6BD217A366B8}"/>
+              </a:ext>
+            </a:extLst>
+          </p:cNvPr>
+          <p:cNvSpPr/>
+          <p:nvPr/>
+        </p:nvSpPr>
+        <p:spPr>
+          <a:xfrm>
+            <a:off x="7031541" y="8594177"/>
+            <a:ext cx="359228" cy="348343"/>
+          </a:xfrm>
+          <a:prstGeom prst="ellipse">
+            <a:avLst/>
+          </a:prstGeom>
+          <a:solidFill>
+            <a:schemeClr val="accent2">
+              <a:alpha val="50196"/>
+            </a:schemeClr>
+          </a:solidFill>
+          <a:ln w="38100">
+            <a:solidFill>
+              <a:schemeClr val="accent2"/>
+            </a:solidFill>
+          </a:ln>
+        </p:spPr>
+        <p:style>
+          <a:lnRef idx="2">
+            <a:schemeClr val="accent1">
+              <a:shade val="50000"/>
+            </a:schemeClr>
+          </a:lnRef>
+          <a:fillRef idx="1">
+            <a:schemeClr val="accent1"/>
+          </a:fillRef>
+          <a:effectRef idx="0">
+            <a:schemeClr val="accent1"/>
+          </a:effectRef>
+          <a:fontRef idx="minor">
+            <a:schemeClr val="lt1"/>
+          </a:fontRef>
+        </p:style>
+        <p:txBody>
+          <a:bodyPr rtlCol="0" anchor="ctr"/>
+          <a:lstStyle/>
+          <a:p>
+            <a:pPr algn="ctr"/>
+            <a:endParaRPr kumimoji="1" lang="zh-TW" altLang="en-US"/>
+          </a:p>
+        </p:txBody>
+      </p:sp>
+      <p:sp>
+        <p:nvSpPr>
+          <p:cNvPr id="35" name="橢圓 34">
+            <a:extLst>
+              <a:ext uri="{FF2B5EF4-FFF2-40B4-BE49-F238E27FC236}">
+                <a16:creationId xmlns:a16="http://schemas.microsoft.com/office/drawing/2014/main" id="{9A765B86-845F-485D-3C6A-796DF934C73A}"/>
+              </a:ext>
+            </a:extLst>
+          </p:cNvPr>
+          <p:cNvSpPr/>
+          <p:nvPr/>
+        </p:nvSpPr>
+        <p:spPr>
+          <a:xfrm>
+            <a:off x="9138091" y="6371800"/>
+            <a:ext cx="359228" cy="348343"/>
+          </a:xfrm>
+          <a:prstGeom prst="ellipse">
+            <a:avLst/>
+          </a:prstGeom>
+          <a:solidFill>
+            <a:schemeClr val="accent2">
+              <a:alpha val="50196"/>
+            </a:schemeClr>
+          </a:solidFill>
+          <a:ln w="38100">
+            <a:solidFill>
+              <a:schemeClr val="accent2"/>
+            </a:solidFill>
+          </a:ln>
+        </p:spPr>
+        <p:style>
+          <a:lnRef idx="2">
+            <a:schemeClr val="accent1">
+              <a:shade val="50000"/>
+            </a:schemeClr>
+          </a:lnRef>
+          <a:fillRef idx="1">
+            <a:schemeClr val="accent1"/>
+          </a:fillRef>
+          <a:effectRef idx="0">
+            <a:schemeClr val="accent1"/>
+          </a:effectRef>
+          <a:fontRef idx="minor">
+            <a:schemeClr val="lt1"/>
+          </a:fontRef>
+        </p:style>
+        <p:txBody>
+          <a:bodyPr rtlCol="0" anchor="ctr"/>
+          <a:lstStyle/>
+          <a:p>
+            <a:pPr algn="ctr"/>
+            <a:endParaRPr kumimoji="1" lang="zh-TW" altLang="en-US"/>
+          </a:p>
+        </p:txBody>
+      </p:sp>
+      <p:sp>
+        <p:nvSpPr>
+          <p:cNvPr id="36" name="橢圓 35">
+            <a:extLst>
+              <a:ext uri="{FF2B5EF4-FFF2-40B4-BE49-F238E27FC236}">
+                <a16:creationId xmlns:a16="http://schemas.microsoft.com/office/drawing/2014/main" id="{E504BCE2-C36B-DDC2-F229-796A1DE0FF15}"/>
+              </a:ext>
+            </a:extLst>
+          </p:cNvPr>
+          <p:cNvSpPr/>
+          <p:nvPr/>
+        </p:nvSpPr>
+        <p:spPr>
+          <a:xfrm>
+            <a:off x="10014632" y="6023457"/>
+            <a:ext cx="359228" cy="348343"/>
+          </a:xfrm>
+          <a:prstGeom prst="ellipse">
+            <a:avLst/>
+          </a:prstGeom>
+          <a:solidFill>
+            <a:schemeClr val="accent2">
+              <a:alpha val="50196"/>
+            </a:schemeClr>
+          </a:solidFill>
+          <a:ln w="38100">
+            <a:solidFill>
+              <a:schemeClr val="accent2"/>
+            </a:solidFill>
+          </a:ln>
+        </p:spPr>
+        <p:style>
+          <a:lnRef idx="2">
+            <a:schemeClr val="accent1">
+              <a:shade val="50000"/>
+            </a:schemeClr>
+          </a:lnRef>
+          <a:fillRef idx="1">
+            <a:schemeClr val="accent1"/>
+          </a:fillRef>
+          <a:effectRef idx="0">
+            <a:schemeClr val="accent1"/>
+          </a:effectRef>
+          <a:fontRef idx="minor">
+            <a:schemeClr val="lt1"/>
+          </a:fontRef>
+        </p:style>
+        <p:txBody>
+          <a:bodyPr rtlCol="0" anchor="ctr"/>
+          <a:lstStyle/>
+          <a:p>
+            <a:pPr algn="ctr"/>
+            <a:endParaRPr kumimoji="1" lang="zh-TW" altLang="en-US"/>
+          </a:p>
+        </p:txBody>
+      </p:sp>
+      <p:sp>
+        <p:nvSpPr>
+          <p:cNvPr id="38" name="橢圓 37">
+            <a:extLst>
+              <a:ext uri="{FF2B5EF4-FFF2-40B4-BE49-F238E27FC236}">
+                <a16:creationId xmlns:a16="http://schemas.microsoft.com/office/drawing/2014/main" id="{3C2EBF1D-281E-B23B-DCE1-E5BE522FEE28}"/>
+              </a:ext>
+            </a:extLst>
+          </p:cNvPr>
+          <p:cNvSpPr/>
+          <p:nvPr/>
+        </p:nvSpPr>
+        <p:spPr>
+          <a:xfrm>
+            <a:off x="10014632" y="10975815"/>
+            <a:ext cx="359228" cy="348343"/>
+          </a:xfrm>
+          <a:prstGeom prst="ellipse">
+            <a:avLst/>
+          </a:prstGeom>
+          <a:solidFill>
+            <a:schemeClr val="accent2">
+              <a:alpha val="50196"/>
+            </a:schemeClr>
+          </a:solidFill>
+          <a:ln w="38100">
+            <a:solidFill>
+              <a:schemeClr val="accent2"/>
+            </a:solidFill>
+          </a:ln>
+        </p:spPr>
+        <p:style>
+          <a:lnRef idx="2">
+            <a:schemeClr val="accent1">
+              <a:shade val="50000"/>
+            </a:schemeClr>
+          </a:lnRef>
+          <a:fillRef idx="1">
+            <a:schemeClr val="accent1"/>
+          </a:fillRef>
+          <a:effectRef idx="0">
+            <a:schemeClr val="accent1"/>
+          </a:effectRef>
+          <a:fontRef idx="minor">
+            <a:schemeClr val="lt1"/>
+          </a:fontRef>
+        </p:style>
+        <p:txBody>
+          <a:bodyPr rtlCol="0" anchor="ctr"/>
+          <a:lstStyle/>
+          <a:p>
+            <a:pPr algn="ctr"/>
+            <a:endParaRPr kumimoji="1" lang="zh-TW" altLang="en-US"/>
+          </a:p>
+        </p:txBody>
+      </p:sp>
+      <p:sp>
+        <p:nvSpPr>
+          <p:cNvPr id="61" name="橢圓 60">
+            <a:extLst>
+              <a:ext uri="{FF2B5EF4-FFF2-40B4-BE49-F238E27FC236}">
+                <a16:creationId xmlns:a16="http://schemas.microsoft.com/office/drawing/2014/main" id="{140E9969-4C6C-59D2-144F-6622DAC59E32}"/>
+              </a:ext>
+            </a:extLst>
+          </p:cNvPr>
+          <p:cNvSpPr/>
+          <p:nvPr/>
+        </p:nvSpPr>
+        <p:spPr>
+          <a:xfrm>
+            <a:off x="7160917" y="7707084"/>
+            <a:ext cx="359228" cy="348343"/>
+          </a:xfrm>
+          <a:prstGeom prst="ellipse">
+            <a:avLst/>
+          </a:prstGeom>
+          <a:solidFill>
+            <a:schemeClr val="accent2">
+              <a:alpha val="50196"/>
+            </a:schemeClr>
+          </a:solidFill>
+          <a:ln w="38100">
+            <a:solidFill>
+              <a:schemeClr val="accent2"/>
+            </a:solidFill>
+          </a:ln>
+        </p:spPr>
+        <p:style>
+          <a:lnRef idx="2">
+            <a:schemeClr val="accent1">
+              <a:shade val="50000"/>
+            </a:schemeClr>
+          </a:lnRef>
+          <a:fillRef idx="1">
+            <a:schemeClr val="accent1"/>
+          </a:fillRef>
+          <a:effectRef idx="0">
+            <a:schemeClr val="accent1"/>
+          </a:effectRef>
+          <a:fontRef idx="minor">
+            <a:schemeClr val="lt1"/>
+          </a:fontRef>
+        </p:style>
+        <p:txBody>
+          <a:bodyPr rtlCol="0" anchor="ctr"/>
+          <a:lstStyle/>
+          <a:p>
+            <a:pPr algn="ctr"/>
+            <a:endParaRPr kumimoji="1" lang="zh-TW" altLang="en-US"/>
+          </a:p>
+        </p:txBody>
+      </p:sp>
+    </p:spTree>
+    <p:extLst>
+      <p:ext uri="{BB962C8B-B14F-4D97-AF65-F5344CB8AC3E}">
+        <p14:creationId xmlns:p14="http://schemas.microsoft.com/office/powerpoint/2010/main" val="666655265"/>
+      </p:ext>
+    </p:extLst>
+  </p:cSld>
+  <p:clrMapOvr>
+    <a:masterClrMapping/>
+  </p:clrMapOvr>
+</p:sld>
+</file>
+
+<file path=ppt/slides/slide3.xml><?xml version="1.0" encoding="utf-8"?>
+<p:sld xmlns:a="http://schemas.openxmlformats.org/drawingml/2006/main" xmlns:r="http://schemas.openxmlformats.org/officeDocument/2006/relationships" xmlns:p="http://schemas.openxmlformats.org/presentationml/2006/main">
+  <p:cSld>
+    <p:spTree>
+      <p:nvGrpSpPr>
+        <p:cNvPr id="1" name=""/>
+        <p:cNvGrpSpPr/>
+        <p:nvPr/>
+      </p:nvGrpSpPr>
+      <p:grpSpPr>
+        <a:xfrm>
+          <a:off x="0" y="0"/>
+          <a:ext cx="0" cy="0"/>
+          <a:chOff x="0" y="0"/>
+          <a:chExt cx="0" cy="0"/>
+        </a:xfrm>
+      </p:grpSpPr>
+      <p:sp>
+        <p:nvSpPr>
+          <p:cNvPr id="2" name="標題 1">
+            <a:extLst>
+              <a:ext uri="{FF2B5EF4-FFF2-40B4-BE49-F238E27FC236}">
+                <a16:creationId xmlns:a16="http://schemas.microsoft.com/office/drawing/2014/main" id="{37ACBA83-F82D-55D7-CAA3-8D9988E5B4CC}"/>
+              </a:ext>
+            </a:extLst>
+          </p:cNvPr>
+          <p:cNvSpPr>
+            <a:spLocks noGrp="1"/>
+          </p:cNvSpPr>
+          <p:nvPr>
+            <p:ph type="title"/>
+          </p:nvPr>
+        </p:nvSpPr>
+        <p:spPr/>
+        <p:txBody>
+          <a:bodyPr/>
+          <a:lstStyle/>
+          <a:p>
+            <a:endParaRPr kumimoji="1" lang="zh-TW" altLang="en-US"/>
+          </a:p>
+        </p:txBody>
+      </p:sp>
+      <p:sp>
+        <p:nvSpPr>
+          <p:cNvPr id="3" name="內容版面配置區 2">
+            <a:extLst>
+              <a:ext uri="{FF2B5EF4-FFF2-40B4-BE49-F238E27FC236}">
+                <a16:creationId xmlns:a16="http://schemas.microsoft.com/office/drawing/2014/main" id="{1A63FE05-F8C0-1B95-081C-8B5B729DE4CE}"/>
+              </a:ext>
+            </a:extLst>
+          </p:cNvPr>
+          <p:cNvSpPr>
+            <a:spLocks noGrp="1"/>
+          </p:cNvSpPr>
+          <p:nvPr>
+            <p:ph idx="1"/>
+          </p:nvPr>
+        </p:nvSpPr>
+        <p:spPr/>
+        <p:txBody>
+          <a:bodyPr/>
+          <a:lstStyle/>
+          <a:p>
+            <a:r>
+              <a:rPr kumimoji="1" lang="zh-TW" altLang="en-US" dirty="0"/>
+              <a:t>探討目標</a:t>
+            </a:r>
+            <a:endParaRPr kumimoji="1" lang="en-US" altLang="zh-TW" dirty="0"/>
+          </a:p>
+          <a:p>
+            <a:r>
+              <a:rPr kumimoji="1" lang="zh-TW" altLang="en-US" dirty="0"/>
+              <a:t>分析架構</a:t>
+            </a:r>
+            <a:endParaRPr kumimoji="1" lang="en-US" altLang="zh-TW" dirty="0"/>
+          </a:p>
+          <a:p>
+            <a:r>
+              <a:rPr kumimoji="1" lang="en-US" altLang="zh-TW" dirty="0"/>
+              <a:t>Phase1</a:t>
+            </a:r>
+            <a:r>
+              <a:rPr kumimoji="1" lang="zh-TW" altLang="en-US" dirty="0"/>
+              <a:t>分析結果</a:t>
+            </a:r>
+          </a:p>
+        </p:txBody>
+      </p:sp>
+    </p:spTree>
+    <p:extLst>
+      <p:ext uri="{BB962C8B-B14F-4D97-AF65-F5344CB8AC3E}">
+        <p14:creationId xmlns:p14="http://schemas.microsoft.com/office/powerpoint/2010/main" val="1118098073"/>
+      </p:ext>
+    </p:extLst>
+  </p:cSld>
+  <p:clrMapOvr>
+    <a:masterClrMapping/>
+  </p:clrMapOvr>
+</p:sld>
+</file>
+
+<file path=ppt/slides/slide4.xml><?xml version="1.0" encoding="utf-8"?>
+<p:sld xmlns:a="http://schemas.openxmlformats.org/drawingml/2006/main" xmlns:r="http://schemas.openxmlformats.org/officeDocument/2006/relationships" xmlns:p="http://schemas.openxmlformats.org/presentationml/2006/main">
+  <p:cSld>
+    <p:spTree>
+      <p:nvGrpSpPr>
+        <p:cNvPr id="1" name=""/>
+        <p:cNvGrpSpPr/>
+        <p:nvPr/>
+      </p:nvGrpSpPr>
+      <p:grpSpPr>
+        <a:xfrm>
+          <a:off x="0" y="0"/>
+          <a:ext cx="0" cy="0"/>
+          <a:chOff x="0" y="0"/>
+          <a:chExt cx="0" cy="0"/>
+        </a:xfrm>
+      </p:grpSpPr>
+      <p:sp>
+        <p:nvSpPr>
+          <p:cNvPr id="2" name="標題 1">
+            <a:extLst>
+              <a:ext uri="{FF2B5EF4-FFF2-40B4-BE49-F238E27FC236}">
+                <a16:creationId xmlns:a16="http://schemas.microsoft.com/office/drawing/2014/main" id="{379E05C6-0BB3-F9DF-4E41-B7B8836B5206}"/>
+              </a:ext>
+            </a:extLst>
+          </p:cNvPr>
+          <p:cNvSpPr>
+            <a:spLocks noGrp="1"/>
+          </p:cNvSpPr>
+          <p:nvPr>
+            <p:ph type="title"/>
+          </p:nvPr>
+        </p:nvSpPr>
+        <p:spPr/>
+        <p:txBody>
+          <a:bodyPr/>
+          <a:lstStyle/>
+          <a:p>
+            <a:endParaRPr kumimoji="1" lang="zh-TW" altLang="en-US"/>
+          </a:p>
+        </p:txBody>
+      </p:sp>
+      <p:sp>
+        <p:nvSpPr>
+          <p:cNvPr id="3" name="內容版面配置區 2">
+            <a:extLst>
+              <a:ext uri="{FF2B5EF4-FFF2-40B4-BE49-F238E27FC236}">
+                <a16:creationId xmlns:a16="http://schemas.microsoft.com/office/drawing/2014/main" id="{C97D72B5-8918-50B9-93E6-14E6ABEE6916}"/>
+              </a:ext>
+            </a:extLst>
+          </p:cNvPr>
+          <p:cNvSpPr>
+            <a:spLocks noGrp="1"/>
+          </p:cNvSpPr>
+          <p:nvPr>
+            <p:ph idx="1"/>
+          </p:nvPr>
+        </p:nvSpPr>
+        <p:spPr/>
+        <p:txBody>
+          <a:bodyPr/>
+          <a:lstStyle/>
+          <a:p>
+            <a:r>
+              <a:rPr kumimoji="1" lang="en-US" altLang="zh-TW" dirty="0"/>
+              <a:t>Phase2</a:t>
+            </a:r>
+            <a:r>
+              <a:rPr kumimoji="1" lang="zh-TW" altLang="en-US" dirty="0"/>
+              <a:t>分析結果</a:t>
+            </a:r>
+          </a:p>
+        </p:txBody>
+      </p:sp>
+    </p:spTree>
+    <p:extLst>
+      <p:ext uri="{BB962C8B-B14F-4D97-AF65-F5344CB8AC3E}">
+        <p14:creationId xmlns:p14="http://schemas.microsoft.com/office/powerpoint/2010/main" val="2898240161"/>
+      </p:ext>
+    </p:extLst>
+  </p:cSld>
+  <p:clrMapOvr>
+    <a:masterClrMapping/>
+  </p:clrMapOvr>
+</p:sld>
+</file>
+
+<file path=ppt/slides/slide5.xml><?xml version="1.0" encoding="utf-8"?>
+<p:sld xmlns:a="http://schemas.openxmlformats.org/drawingml/2006/main" xmlns:r="http://schemas.openxmlformats.org/officeDocument/2006/relationships" xmlns:p="http://schemas.openxmlformats.org/presentationml/2006/main">
+  <p:cSld>
+    <p:spTree>
+      <p:nvGrpSpPr>
+        <p:cNvPr id="1" name=""/>
+        <p:cNvGrpSpPr/>
+        <p:nvPr/>
+      </p:nvGrpSpPr>
+      <p:grpSpPr>
+        <a:xfrm>
+          <a:off x="0" y="0"/>
+          <a:ext cx="0" cy="0"/>
+          <a:chOff x="0" y="0"/>
+          <a:chExt cx="0" cy="0"/>
+        </a:xfrm>
+      </p:grpSpPr>
+      <p:sp>
+        <p:nvSpPr>
+          <p:cNvPr id="2" name="標題 1">
+            <a:extLst>
+              <a:ext uri="{FF2B5EF4-FFF2-40B4-BE49-F238E27FC236}">
+                <a16:creationId xmlns:a16="http://schemas.microsoft.com/office/drawing/2014/main" id="{B363AD97-E854-7DC4-7EA2-F104EB877622}"/>
+              </a:ext>
+            </a:extLst>
+          </p:cNvPr>
+          <p:cNvSpPr>
+            <a:spLocks noGrp="1"/>
+          </p:cNvSpPr>
+          <p:nvPr>
+            <p:ph type="title"/>
+          </p:nvPr>
+        </p:nvSpPr>
+        <p:spPr/>
+        <p:txBody>
+          <a:bodyPr/>
+          <a:lstStyle/>
+          <a:p>
+            <a:endParaRPr kumimoji="1" lang="zh-TW" altLang="en-US"/>
+          </a:p>
+        </p:txBody>
+      </p:sp>
+      <p:sp>
+        <p:nvSpPr>
+          <p:cNvPr id="3" name="內容版面配置區 2">
+            <a:extLst>
+              <a:ext uri="{FF2B5EF4-FFF2-40B4-BE49-F238E27FC236}">
+                <a16:creationId xmlns:a16="http://schemas.microsoft.com/office/drawing/2014/main" id="{8EB066EF-931D-124A-9136-B65AC471C270}"/>
+              </a:ext>
+            </a:extLst>
+          </p:cNvPr>
+          <p:cNvSpPr>
+            <a:spLocks noGrp="1"/>
+          </p:cNvSpPr>
+          <p:nvPr>
+            <p:ph idx="1"/>
+          </p:nvPr>
+        </p:nvSpPr>
+        <p:spPr/>
+        <p:txBody>
+          <a:bodyPr/>
+          <a:lstStyle/>
+          <a:p>
+            <a:r>
+              <a:rPr kumimoji="1" lang="zh-TW" altLang="en-US" dirty="0"/>
+              <a:t>綜合結論</a:t>
+            </a:r>
+          </a:p>
+        </p:txBody>
+      </p:sp>
+    </p:spTree>
+    <p:extLst>
+      <p:ext uri="{BB962C8B-B14F-4D97-AF65-F5344CB8AC3E}">
+        <p14:creationId xmlns:p14="http://schemas.microsoft.com/office/powerpoint/2010/main" val="1356808279"/>
       </p:ext>
     </p:extLst>
   </p:cSld>
